--- a/gardening.pptx
+++ b/gardening.pptx
@@ -5,17 +5,18 @@
     <p:sldMasterId id="2147483648" r:id="rId1"/>
   </p:sldMasterIdLst>
   <p:notesMasterIdLst>
-    <p:notesMasterId r:id="rId10"/>
+    <p:notesMasterId r:id="rId11"/>
   </p:notesMasterIdLst>
   <p:sldIdLst>
     <p:sldId id="256" r:id="rId2"/>
     <p:sldId id="257" r:id="rId3"/>
     <p:sldId id="258" r:id="rId4"/>
-    <p:sldId id="259" r:id="rId5"/>
-    <p:sldId id="262" r:id="rId6"/>
-    <p:sldId id="263" r:id="rId7"/>
-    <p:sldId id="260" r:id="rId8"/>
-    <p:sldId id="261" r:id="rId9"/>
+    <p:sldId id="264" r:id="rId5"/>
+    <p:sldId id="259" r:id="rId6"/>
+    <p:sldId id="262" r:id="rId7"/>
+    <p:sldId id="263" r:id="rId8"/>
+    <p:sldId id="260" r:id="rId9"/>
+    <p:sldId id="261" r:id="rId10"/>
   </p:sldIdLst>
   <p:sldSz cx="12192000" cy="6858000"/>
   <p:notesSz cx="6858000" cy="9144000"/>
@@ -203,7 +204,7 @@
           </a:lstStyle>
           <a:p>
             <a:fld id="{3724AA11-173D-CE45-9DFF-DDFFA3BF43A4}" type="datetimeFigureOut">
-              <a:t>11/14/22</a:t>
+              <a:t>9/15/24</a:t>
             </a:fld>
             <a:endParaRPr lang="en-US"/>
           </a:p>
@@ -533,7 +534,7 @@
           <a:lstStyle/>
           <a:p>
             <a:fld id="{68C696C0-93EA-5F48-9251-7E37659FEADC}" type="slidenum">
-              <a:t>6</a:t>
+              <a:t>7</a:t>
             </a:fld>
             <a:endParaRPr lang="en-US"/>
           </a:p>
@@ -698,7 +699,7 @@
           <a:lstStyle/>
           <a:p>
             <a:fld id="{5F491023-0B0A-7041-9F06-D25A50EF063B}" type="datetimeFigureOut">
-              <a:t>11/14/22</a:t>
+              <a:t>9/15/24</a:t>
             </a:fld>
             <a:endParaRPr lang="en-US"/>
           </a:p>
@@ -894,7 +895,7 @@
           <a:lstStyle/>
           <a:p>
             <a:fld id="{5F491023-0B0A-7041-9F06-D25A50EF063B}" type="datetimeFigureOut">
-              <a:t>11/14/22</a:t>
+              <a:t>9/15/24</a:t>
             </a:fld>
             <a:endParaRPr lang="en-US"/>
           </a:p>
@@ -1100,7 +1101,7 @@
           <a:lstStyle/>
           <a:p>
             <a:fld id="{5F491023-0B0A-7041-9F06-D25A50EF063B}" type="datetimeFigureOut">
-              <a:t>11/14/22</a:t>
+              <a:t>9/15/24</a:t>
             </a:fld>
             <a:endParaRPr lang="en-US"/>
           </a:p>
@@ -1296,7 +1297,7 @@
           <a:lstStyle/>
           <a:p>
             <a:fld id="{5F491023-0B0A-7041-9F06-D25A50EF063B}" type="datetimeFigureOut">
-              <a:t>11/14/22</a:t>
+              <a:t>9/15/24</a:t>
             </a:fld>
             <a:endParaRPr lang="en-US"/>
           </a:p>
@@ -1569,7 +1570,7 @@
           <a:lstStyle/>
           <a:p>
             <a:fld id="{5F491023-0B0A-7041-9F06-D25A50EF063B}" type="datetimeFigureOut">
-              <a:t>11/14/22</a:t>
+              <a:t>9/15/24</a:t>
             </a:fld>
             <a:endParaRPr lang="en-US"/>
           </a:p>
@@ -1832,7 +1833,7 @@
           <a:lstStyle/>
           <a:p>
             <a:fld id="{5F491023-0B0A-7041-9F06-D25A50EF063B}" type="datetimeFigureOut">
-              <a:t>11/14/22</a:t>
+              <a:t>9/15/24</a:t>
             </a:fld>
             <a:endParaRPr lang="en-US"/>
           </a:p>
@@ -2242,7 +2243,7 @@
           <a:lstStyle/>
           <a:p>
             <a:fld id="{5F491023-0B0A-7041-9F06-D25A50EF063B}" type="datetimeFigureOut">
-              <a:t>11/14/22</a:t>
+              <a:t>9/15/24</a:t>
             </a:fld>
             <a:endParaRPr lang="en-US"/>
           </a:p>
@@ -2381,7 +2382,7 @@
           <a:lstStyle/>
           <a:p>
             <a:fld id="{5F491023-0B0A-7041-9F06-D25A50EF063B}" type="datetimeFigureOut">
-              <a:t>11/14/22</a:t>
+              <a:t>9/15/24</a:t>
             </a:fld>
             <a:endParaRPr lang="en-US"/>
           </a:p>
@@ -2492,7 +2493,7 @@
           <a:lstStyle/>
           <a:p>
             <a:fld id="{5F491023-0B0A-7041-9F06-D25A50EF063B}" type="datetimeFigureOut">
-              <a:t>11/14/22</a:t>
+              <a:t>9/15/24</a:t>
             </a:fld>
             <a:endParaRPr lang="en-US"/>
           </a:p>
@@ -2801,7 +2802,7 @@
           <a:lstStyle/>
           <a:p>
             <a:fld id="{5F491023-0B0A-7041-9F06-D25A50EF063B}" type="datetimeFigureOut">
-              <a:t>11/14/22</a:t>
+              <a:t>9/15/24</a:t>
             </a:fld>
             <a:endParaRPr lang="en-US"/>
           </a:p>
@@ -3087,7 +3088,7 @@
           <a:lstStyle/>
           <a:p>
             <a:fld id="{5F491023-0B0A-7041-9F06-D25A50EF063B}" type="datetimeFigureOut">
-              <a:t>11/14/22</a:t>
+              <a:t>9/15/24</a:t>
             </a:fld>
             <a:endParaRPr lang="en-US"/>
           </a:p>
@@ -3326,7 +3327,7 @@
           </a:lstStyle>
           <a:p>
             <a:fld id="{5F491023-0B0A-7041-9F06-D25A50EF063B}" type="datetimeFigureOut">
-              <a:t>11/14/22</a:t>
+              <a:t>9/15/24</a:t>
             </a:fld>
             <a:endParaRPr lang="en-US"/>
           </a:p>
@@ -5291,716 +5292,12 @@
           <a:chExt cx="0" cy="0"/>
         </a:xfrm>
       </p:grpSpPr>
-      <p:sp>
-        <p:nvSpPr>
-          <p:cNvPr id="2" name="TextBox 1">
-            <a:extLst>
-              <a:ext uri="{FF2B5EF4-FFF2-40B4-BE49-F238E27FC236}">
-                <a16:creationId xmlns:a16="http://schemas.microsoft.com/office/drawing/2014/main" id="{0F9C1FC2-3030-3583-3E86-0E7F183D22D7}"/>
-              </a:ext>
-            </a:extLst>
-          </p:cNvPr>
-          <p:cNvSpPr txBox="1"/>
-          <p:nvPr/>
-        </p:nvSpPr>
-        <p:spPr>
-          <a:xfrm>
-            <a:off x="210207" y="1026468"/>
-            <a:ext cx="4803228" cy="3539430"/>
-          </a:xfrm>
-          <a:prstGeom prst="rect">
-            <a:avLst/>
-          </a:prstGeom>
-          <a:noFill/>
-        </p:spPr>
-        <p:txBody>
-          <a:bodyPr wrap="square" rtlCol="0">
-            <a:spAutoFit/>
-          </a:bodyPr>
-          <a:lstStyle/>
-          <a:p>
-            <a:pPr marL="285750" indent="-285750">
-              <a:buFont typeface="Arial" panose="020B0604020202020204" pitchFamily="34" charset="0"/>
-              <a:buChar char="•"/>
-            </a:pPr>
-            <a:r>
-              <a:rPr lang="en-US" sz="1400" b="1">
-                <a:solidFill>
-                  <a:srgbClr val="FF0000"/>
-                </a:solidFill>
-              </a:rPr>
-              <a:t>pruning shear</a:t>
-            </a:r>
-            <a:r>
-              <a:rPr lang="en-US" sz="1400"/>
-              <a:t> - a garden tool to cut branches. There are three types: bypass, anvil, ratchets</a:t>
-            </a:r>
-          </a:p>
-          <a:p>
-            <a:pPr marL="285750" indent="-285750">
-              <a:buFont typeface="Arial" panose="020B0604020202020204" pitchFamily="34" charset="0"/>
-              <a:buChar char="•"/>
-            </a:pPr>
-            <a:endParaRPr lang="en-US" sz="1400"/>
-          </a:p>
-          <a:p>
-            <a:pPr marL="285750" indent="-285750">
-              <a:buFont typeface="Arial" panose="020B0604020202020204" pitchFamily="34" charset="0"/>
-              <a:buChar char="•"/>
-            </a:pPr>
-            <a:endParaRPr lang="en-US" sz="1400"/>
-          </a:p>
-          <a:p>
-            <a:pPr marL="285750" indent="-285750">
-              <a:buFont typeface="Arial" panose="020B0604020202020204" pitchFamily="34" charset="0"/>
-              <a:buChar char="•"/>
-            </a:pPr>
-            <a:r>
-              <a:rPr lang="en-US" sz="1400" b="1">
-                <a:solidFill>
-                  <a:srgbClr val="FF0000"/>
-                </a:solidFill>
-              </a:rPr>
-              <a:t>Loppers</a:t>
-            </a:r>
-            <a:r>
-              <a:rPr lang="en-US" sz="1400"/>
-              <a:t> - sheers with long handles </a:t>
-            </a:r>
-            <a:br>
-              <a:rPr lang="en-US" sz="1400"/>
-            </a:br>
-            <a:r>
-              <a:rPr lang="en-US" sz="1400"/>
-              <a:t>(cut up to 2.5")</a:t>
-            </a:r>
-          </a:p>
-          <a:p>
-            <a:pPr marL="285750" indent="-285750">
-              <a:buFont typeface="Arial" panose="020B0604020202020204" pitchFamily="34" charset="0"/>
-              <a:buChar char="•"/>
-            </a:pPr>
-            <a:endParaRPr lang="en-US" sz="1400"/>
-          </a:p>
-          <a:p>
-            <a:pPr marL="285750" indent="-285750">
-              <a:buFont typeface="Arial" panose="020B0604020202020204" pitchFamily="34" charset="0"/>
-              <a:buChar char="•"/>
-            </a:pPr>
-            <a:endParaRPr lang="en-US" sz="1400"/>
-          </a:p>
-          <a:p>
-            <a:pPr marL="285750" indent="-285750">
-              <a:buFont typeface="Arial" panose="020B0604020202020204" pitchFamily="34" charset="0"/>
-              <a:buChar char="•"/>
-            </a:pPr>
-            <a:endParaRPr lang="en-US" sz="1400"/>
-          </a:p>
-          <a:p>
-            <a:pPr marL="285750" indent="-285750">
-              <a:buFont typeface="Arial" panose="020B0604020202020204" pitchFamily="34" charset="0"/>
-              <a:buChar char="•"/>
-            </a:pPr>
-            <a:r>
-              <a:rPr lang="en-US" sz="1400" b="1">
-                <a:solidFill>
-                  <a:srgbClr val="FF0000"/>
-                </a:solidFill>
-              </a:rPr>
-              <a:t>Pruning Saw</a:t>
-            </a:r>
-            <a:r>
-              <a:rPr lang="en-US" sz="1400"/>
-              <a:t> - cut up to 5" branches</a:t>
-            </a:r>
-          </a:p>
-          <a:p>
-            <a:pPr marL="285750" indent="-285750">
-              <a:buFont typeface="Arial" panose="020B0604020202020204" pitchFamily="34" charset="0"/>
-              <a:buChar char="•"/>
-            </a:pPr>
-            <a:endParaRPr lang="en-US" sz="1400"/>
-          </a:p>
-          <a:p>
-            <a:pPr marL="285750" indent="-285750">
-              <a:buFont typeface="Arial" panose="020B0604020202020204" pitchFamily="34" charset="0"/>
-              <a:buChar char="•"/>
-            </a:pPr>
-            <a:endParaRPr lang="en-US" sz="1400"/>
-          </a:p>
-          <a:p>
-            <a:pPr marL="285750" indent="-285750">
-              <a:buFont typeface="Arial" panose="020B0604020202020204" pitchFamily="34" charset="0"/>
-              <a:buChar char="•"/>
-            </a:pPr>
-            <a:endParaRPr lang="en-US" sz="1400"/>
-          </a:p>
-          <a:p>
-            <a:pPr marL="285750" indent="-285750">
-              <a:buFont typeface="Arial" panose="020B0604020202020204" pitchFamily="34" charset="0"/>
-              <a:buChar char="•"/>
-            </a:pPr>
-            <a:r>
-              <a:rPr lang="en-US" sz="1400" b="1">
-                <a:solidFill>
-                  <a:srgbClr val="FF0000"/>
-                </a:solidFill>
-              </a:rPr>
-              <a:t>Pole (tree) Pruner</a:t>
-            </a:r>
-            <a:r>
-              <a:rPr lang="en-US" sz="1400"/>
-              <a:t> - allows to reach high (8 ft) and cut branches up to 1.25". There are hand cutting and </a:t>
-            </a:r>
-            <a:r>
-              <a:rPr lang="en-US" sz="1400" b="1">
-                <a:solidFill>
-                  <a:srgbClr val="FF0000"/>
-                </a:solidFill>
-              </a:rPr>
-              <a:t>electric</a:t>
-            </a:r>
-            <a:r>
-              <a:rPr lang="en-US" sz="1400"/>
-              <a:t>.</a:t>
-            </a:r>
-          </a:p>
-          <a:p>
-            <a:pPr marL="285750" indent="-285750">
-              <a:buFont typeface="Arial" panose="020B0604020202020204" pitchFamily="34" charset="0"/>
-              <a:buChar char="•"/>
-            </a:pPr>
-            <a:endParaRPr lang="en-US" sz="1400"/>
-          </a:p>
-        </p:txBody>
-      </p:sp>
-      <p:sp>
-        <p:nvSpPr>
-          <p:cNvPr id="3" name="TextBox 2">
-            <a:extLst>
-              <a:ext uri="{FF2B5EF4-FFF2-40B4-BE49-F238E27FC236}">
-                <a16:creationId xmlns:a16="http://schemas.microsoft.com/office/drawing/2014/main" id="{B6218BB6-79C2-59C9-39E4-27A17C7980D1}"/>
-              </a:ext>
-            </a:extLst>
-          </p:cNvPr>
-          <p:cNvSpPr txBox="1"/>
-          <p:nvPr/>
-        </p:nvSpPr>
-        <p:spPr>
-          <a:xfrm>
-            <a:off x="0" y="38404"/>
-            <a:ext cx="6684579" cy="707886"/>
-          </a:xfrm>
-          <a:prstGeom prst="rect">
-            <a:avLst/>
-          </a:prstGeom>
-          <a:noFill/>
-        </p:spPr>
-        <p:txBody>
-          <a:bodyPr wrap="square" rtlCol="0">
-            <a:spAutoFit/>
-          </a:bodyPr>
-          <a:lstStyle/>
-          <a:p>
-            <a:r>
-              <a:rPr lang="en-US" sz="2800" b="1"/>
-              <a:t>Pruner</a:t>
-            </a:r>
-            <a:br>
-              <a:rPr lang="en-US" sz="2800" b="1"/>
-            </a:br>
-            <a:r>
-              <a:rPr lang="en-US" sz="1200" b="1">
-                <a:hlinkClick r:id="rId2"/>
-              </a:rPr>
-              <a:t>https://www.precisiontreemn.com/tips/5-must-have-pruning-tools.html</a:t>
-            </a:r>
-            <a:endParaRPr lang="en-US" sz="1200" b="1"/>
-          </a:p>
-        </p:txBody>
-      </p:sp>
       <p:pic>
         <p:nvPicPr>
-          <p:cNvPr id="4" name="Picture 3">
-            <a:extLst>
-              <a:ext uri="{FF2B5EF4-FFF2-40B4-BE49-F238E27FC236}">
-                <a16:creationId xmlns:a16="http://schemas.microsoft.com/office/drawing/2014/main" id="{ADE0AFB0-D773-CA50-9C17-6F9EF7F9F106}"/>
-              </a:ext>
-            </a:extLst>
-          </p:cNvPr>
-          <p:cNvPicPr>
-            <a:picLocks noChangeAspect="1"/>
-          </p:cNvPicPr>
-          <p:nvPr/>
-        </p:nvPicPr>
-        <p:blipFill>
-          <a:blip r:embed="rId3" cstate="email">
-            <a:extLst>
-              <a:ext uri="{28A0092B-C50C-407E-A947-70E740481C1C}">
-                <a14:useLocalDpi xmlns:a14="http://schemas.microsoft.com/office/drawing/2010/main"/>
-              </a:ext>
-            </a:extLst>
-          </a:blip>
-          <a:stretch>
-            <a:fillRect/>
-          </a:stretch>
-        </p:blipFill>
-        <p:spPr>
-          <a:xfrm>
-            <a:off x="9133488" y="199338"/>
-            <a:ext cx="2582696" cy="914821"/>
-          </a:xfrm>
-          <a:prstGeom prst="rect">
-            <a:avLst/>
-          </a:prstGeom>
-        </p:spPr>
-      </p:pic>
-      <p:pic>
-        <p:nvPicPr>
-          <p:cNvPr id="5" name="Picture 4">
-            <a:extLst>
-              <a:ext uri="{FF2B5EF4-FFF2-40B4-BE49-F238E27FC236}">
-                <a16:creationId xmlns:a16="http://schemas.microsoft.com/office/drawing/2014/main" id="{F8220B7C-598C-9ADB-4BA2-19E7759D91AE}"/>
-              </a:ext>
-            </a:extLst>
-          </p:cNvPr>
-          <p:cNvPicPr>
-            <a:picLocks noChangeAspect="1"/>
-          </p:cNvPicPr>
-          <p:nvPr/>
-        </p:nvPicPr>
-        <p:blipFill>
-          <a:blip r:embed="rId4" cstate="email">
-            <a:extLst>
-              <a:ext uri="{28A0092B-C50C-407E-A947-70E740481C1C}">
-                <a14:useLocalDpi xmlns:a14="http://schemas.microsoft.com/office/drawing/2010/main"/>
-              </a:ext>
-            </a:extLst>
-          </a:blip>
-          <a:stretch>
-            <a:fillRect/>
-          </a:stretch>
-        </p:blipFill>
-        <p:spPr>
-          <a:xfrm>
-            <a:off x="9316543" y="4594765"/>
-            <a:ext cx="2189436" cy="1016013"/>
-          </a:xfrm>
-          <a:prstGeom prst="rect">
-            <a:avLst/>
-          </a:prstGeom>
-        </p:spPr>
-      </p:pic>
-      <p:sp>
-        <p:nvSpPr>
-          <p:cNvPr id="6" name="TextBox 5">
-            <a:extLst>
-              <a:ext uri="{FF2B5EF4-FFF2-40B4-BE49-F238E27FC236}">
-                <a16:creationId xmlns:a16="http://schemas.microsoft.com/office/drawing/2014/main" id="{8B686D84-290E-FD20-73BA-30EEAA48512D}"/>
-              </a:ext>
-            </a:extLst>
-          </p:cNvPr>
-          <p:cNvSpPr txBox="1"/>
-          <p:nvPr/>
-        </p:nvSpPr>
-        <p:spPr>
-          <a:xfrm>
-            <a:off x="8839200" y="1201252"/>
-            <a:ext cx="3352800" cy="738664"/>
-          </a:xfrm>
-          <a:prstGeom prst="rect">
-            <a:avLst/>
-          </a:prstGeom>
-          <a:noFill/>
-        </p:spPr>
-        <p:txBody>
-          <a:bodyPr wrap="square" rtlCol="0">
-            <a:spAutoFit/>
-          </a:bodyPr>
-          <a:lstStyle/>
-          <a:p>
-            <a:r>
-              <a:rPr lang="en-US" sz="1400" b="1">
-                <a:solidFill>
-                  <a:srgbClr val="FF0000"/>
-                </a:solidFill>
-              </a:rPr>
-              <a:t>bypass pruner</a:t>
-            </a:r>
-            <a:r>
-              <a:rPr lang="en-US" sz="1400"/>
-              <a:t> - cut soft branches &amp; leaves. </a:t>
-            </a:r>
-            <a:br>
-              <a:rPr lang="en-US" sz="1400"/>
-            </a:br>
-            <a:r>
-              <a:rPr lang="en-US" sz="1400"/>
-              <a:t>It has curved sharp blade and hook (like scissors).</a:t>
-            </a:r>
-          </a:p>
-        </p:txBody>
-      </p:sp>
-      <p:sp>
-        <p:nvSpPr>
-          <p:cNvPr id="7" name="TextBox 6">
-            <a:extLst>
-              <a:ext uri="{FF2B5EF4-FFF2-40B4-BE49-F238E27FC236}">
-                <a16:creationId xmlns:a16="http://schemas.microsoft.com/office/drawing/2014/main" id="{9BE871A6-A42F-F021-3473-1C6BD1DFA2F1}"/>
-              </a:ext>
-            </a:extLst>
-          </p:cNvPr>
-          <p:cNvSpPr txBox="1"/>
-          <p:nvPr/>
-        </p:nvSpPr>
-        <p:spPr>
-          <a:xfrm>
-            <a:off x="8923283" y="5715881"/>
-            <a:ext cx="3058511" cy="738664"/>
-          </a:xfrm>
-          <a:prstGeom prst="rect">
-            <a:avLst/>
-          </a:prstGeom>
-          <a:noFill/>
-        </p:spPr>
-        <p:txBody>
-          <a:bodyPr wrap="square" rtlCol="0">
-            <a:spAutoFit/>
-          </a:bodyPr>
-          <a:lstStyle/>
-          <a:p>
-            <a:r>
-              <a:rPr lang="en-US" sz="1400" b="1">
-                <a:solidFill>
-                  <a:srgbClr val="FF0000"/>
-                </a:solidFill>
-              </a:rPr>
-              <a:t>Hedge Shears</a:t>
-            </a:r>
-            <a:r>
-              <a:rPr lang="en-US" sz="1400"/>
-              <a:t> – to cut hedges, small shrubs, evergreens, or deadheading perennials</a:t>
-            </a:r>
-            <a:r>
-              <a:rPr lang="en-US" sz="1400" b="1">
-                <a:solidFill>
-                  <a:srgbClr val="FF0000"/>
-                </a:solidFill>
-              </a:rPr>
-              <a:t> </a:t>
-            </a:r>
-            <a:endParaRPr lang="en-US" sz="1400"/>
-          </a:p>
-        </p:txBody>
-      </p:sp>
-      <p:sp>
-        <p:nvSpPr>
-          <p:cNvPr id="9" name="TextBox 8">
-            <a:extLst>
-              <a:ext uri="{FF2B5EF4-FFF2-40B4-BE49-F238E27FC236}">
-                <a16:creationId xmlns:a16="http://schemas.microsoft.com/office/drawing/2014/main" id="{E2E3AEF1-1015-2BAE-27CA-65DE4EDCFF2E}"/>
-              </a:ext>
-            </a:extLst>
-          </p:cNvPr>
-          <p:cNvSpPr txBox="1"/>
-          <p:nvPr/>
-        </p:nvSpPr>
-        <p:spPr>
-          <a:xfrm>
-            <a:off x="9133488" y="3561479"/>
-            <a:ext cx="3058512" cy="738664"/>
-          </a:xfrm>
-          <a:prstGeom prst="rect">
-            <a:avLst/>
-          </a:prstGeom>
-          <a:noFill/>
-        </p:spPr>
-        <p:txBody>
-          <a:bodyPr wrap="square" rtlCol="0">
-            <a:spAutoFit/>
-          </a:bodyPr>
-          <a:lstStyle/>
-          <a:p>
-            <a:r>
-              <a:rPr lang="en-US" sz="1400" b="1">
-                <a:solidFill>
-                  <a:srgbClr val="FF0000"/>
-                </a:solidFill>
-              </a:rPr>
-              <a:t>Anvil pruners</a:t>
-            </a:r>
-            <a:r>
-              <a:rPr lang="en-US" sz="1400"/>
-              <a:t> look similar to bypass pruners, has a sharp blade and a metal "pocket" that the blade crushes upon. </a:t>
-            </a:r>
-          </a:p>
-        </p:txBody>
-      </p:sp>
-      <p:pic>
-        <p:nvPicPr>
-          <p:cNvPr id="10" name="Picture 9">
-            <a:extLst>
-              <a:ext uri="{FF2B5EF4-FFF2-40B4-BE49-F238E27FC236}">
-                <a16:creationId xmlns:a16="http://schemas.microsoft.com/office/drawing/2014/main" id="{0C8909C5-0BF9-FD7F-4562-668B4529A481}"/>
-              </a:ext>
-            </a:extLst>
-          </p:cNvPr>
-          <p:cNvPicPr>
-            <a:picLocks noChangeAspect="1"/>
-          </p:cNvPicPr>
-          <p:nvPr/>
-        </p:nvPicPr>
-        <p:blipFill>
-          <a:blip r:embed="rId5" cstate="email">
-            <a:extLst>
-              <a:ext uri="{28A0092B-C50C-407E-A947-70E740481C1C}">
-                <a14:useLocalDpi xmlns:a14="http://schemas.microsoft.com/office/drawing/2010/main"/>
-              </a:ext>
-            </a:extLst>
-          </a:blip>
-          <a:stretch>
-            <a:fillRect/>
-          </a:stretch>
-        </p:blipFill>
-        <p:spPr>
-          <a:xfrm>
-            <a:off x="9357820" y="2209969"/>
-            <a:ext cx="2189436" cy="1246407"/>
-          </a:xfrm>
-          <a:prstGeom prst="rect">
-            <a:avLst/>
-          </a:prstGeom>
-        </p:spPr>
-      </p:pic>
-      <p:pic>
-        <p:nvPicPr>
-          <p:cNvPr id="12" name="Picture 11">
-            <a:extLst>
-              <a:ext uri="{FF2B5EF4-FFF2-40B4-BE49-F238E27FC236}">
-                <a16:creationId xmlns:a16="http://schemas.microsoft.com/office/drawing/2014/main" id="{66824CA3-1600-40B2-036F-FDAA468B32A3}"/>
-              </a:ext>
-            </a:extLst>
-          </p:cNvPr>
-          <p:cNvPicPr>
-            <a:picLocks noChangeAspect="1"/>
-          </p:cNvPicPr>
-          <p:nvPr/>
-        </p:nvPicPr>
-        <p:blipFill>
-          <a:blip r:embed="rId6" cstate="email">
-            <a:extLst>
-              <a:ext uri="{28A0092B-C50C-407E-A947-70E740481C1C}">
-                <a14:useLocalDpi xmlns:a14="http://schemas.microsoft.com/office/drawing/2010/main"/>
-              </a:ext>
-            </a:extLst>
-          </a:blip>
-          <a:stretch>
-            <a:fillRect/>
-          </a:stretch>
-        </p:blipFill>
-        <p:spPr>
-          <a:xfrm rot="16200000">
-            <a:off x="1012420" y="4163043"/>
-            <a:ext cx="1023161" cy="2313816"/>
-          </a:xfrm>
-          <a:prstGeom prst="rect">
-            <a:avLst/>
-          </a:prstGeom>
-        </p:spPr>
-      </p:pic>
-      <p:pic>
-        <p:nvPicPr>
-          <p:cNvPr id="13" name="Picture 12">
-            <a:extLst>
-              <a:ext uri="{FF2B5EF4-FFF2-40B4-BE49-F238E27FC236}">
-                <a16:creationId xmlns:a16="http://schemas.microsoft.com/office/drawing/2014/main" id="{0830CAF4-FD2B-1F24-6319-DC652608321C}"/>
-              </a:ext>
-            </a:extLst>
-          </p:cNvPr>
-          <p:cNvPicPr>
-            <a:picLocks noChangeAspect="1"/>
-          </p:cNvPicPr>
-          <p:nvPr/>
-        </p:nvPicPr>
-        <p:blipFill>
-          <a:blip r:embed="rId7" cstate="email">
-            <a:extLst>
-              <a:ext uri="{28A0092B-C50C-407E-A947-70E740481C1C}">
-                <a14:useLocalDpi xmlns:a14="http://schemas.microsoft.com/office/drawing/2010/main"/>
-              </a:ext>
-            </a:extLst>
-          </a:blip>
-          <a:stretch>
-            <a:fillRect/>
-          </a:stretch>
-        </p:blipFill>
-        <p:spPr>
-          <a:xfrm>
-            <a:off x="3264134" y="4815782"/>
-            <a:ext cx="1613201" cy="1893338"/>
-          </a:xfrm>
-          <a:prstGeom prst="rect">
-            <a:avLst/>
-          </a:prstGeom>
-        </p:spPr>
-      </p:pic>
-      <p:sp>
-        <p:nvSpPr>
-          <p:cNvPr id="14" name="TextBox 13">
-            <a:extLst>
-              <a:ext uri="{FF2B5EF4-FFF2-40B4-BE49-F238E27FC236}">
-                <a16:creationId xmlns:a16="http://schemas.microsoft.com/office/drawing/2014/main" id="{3261E771-90AC-1E31-2009-9A9C86119A67}"/>
-              </a:ext>
-            </a:extLst>
-          </p:cNvPr>
-          <p:cNvSpPr txBox="1"/>
-          <p:nvPr/>
-        </p:nvSpPr>
-        <p:spPr>
-          <a:xfrm>
-            <a:off x="94592" y="5923886"/>
-            <a:ext cx="3058511" cy="738664"/>
-          </a:xfrm>
-          <a:prstGeom prst="rect">
-            <a:avLst/>
-          </a:prstGeom>
-          <a:noFill/>
-        </p:spPr>
-        <p:txBody>
-          <a:bodyPr wrap="square" rtlCol="0">
-            <a:spAutoFit/>
-          </a:bodyPr>
-          <a:lstStyle/>
-          <a:p>
-            <a:r>
-              <a:rPr lang="en-US" sz="1400" b="1">
-                <a:solidFill>
-                  <a:srgbClr val="FF0000"/>
-                </a:solidFill>
-              </a:rPr>
-              <a:t>Rachet Shears</a:t>
-            </a:r>
-            <a:r>
-              <a:rPr lang="en-US" sz="1400"/>
-              <a:t> – multiplies your hands’ power by up to 5 times, so you can cut through thick branches</a:t>
-            </a:r>
-          </a:p>
-        </p:txBody>
-      </p:sp>
-      <p:pic>
-        <p:nvPicPr>
-          <p:cNvPr id="15" name="Picture 14">
-            <a:extLst>
-              <a:ext uri="{FF2B5EF4-FFF2-40B4-BE49-F238E27FC236}">
-                <a16:creationId xmlns:a16="http://schemas.microsoft.com/office/drawing/2014/main" id="{A2928CFC-7930-4A2A-C928-837B271DE9BF}"/>
-              </a:ext>
-            </a:extLst>
-          </p:cNvPr>
-          <p:cNvPicPr>
-            <a:picLocks noChangeAspect="1"/>
-          </p:cNvPicPr>
-          <p:nvPr/>
-        </p:nvPicPr>
-        <p:blipFill>
-          <a:blip r:embed="rId8" cstate="email">
-            <a:extLst>
-              <a:ext uri="{28A0092B-C50C-407E-A947-70E740481C1C}">
-                <a14:useLocalDpi xmlns:a14="http://schemas.microsoft.com/office/drawing/2010/main"/>
-              </a:ext>
-            </a:extLst>
-          </a:blip>
-          <a:stretch>
-            <a:fillRect/>
-          </a:stretch>
-        </p:blipFill>
-        <p:spPr>
-          <a:xfrm>
-            <a:off x="3224866" y="2707711"/>
-            <a:ext cx="1122513" cy="1094835"/>
-          </a:xfrm>
-          <a:prstGeom prst="rect">
-            <a:avLst/>
-          </a:prstGeom>
-        </p:spPr>
-      </p:pic>
-      <p:pic>
-        <p:nvPicPr>
-          <p:cNvPr id="16" name="Picture 15">
-            <a:extLst>
-              <a:ext uri="{FF2B5EF4-FFF2-40B4-BE49-F238E27FC236}">
-                <a16:creationId xmlns:a16="http://schemas.microsoft.com/office/drawing/2014/main" id="{93194AD9-7164-C6C0-9A90-D172AD34407B}"/>
-              </a:ext>
-            </a:extLst>
-          </p:cNvPr>
-          <p:cNvPicPr>
-            <a:picLocks noChangeAspect="1"/>
-          </p:cNvPicPr>
-          <p:nvPr/>
-        </p:nvPicPr>
-        <p:blipFill>
-          <a:blip r:embed="rId9" cstate="email">
-            <a:extLst>
-              <a:ext uri="{28A0092B-C50C-407E-A947-70E740481C1C}">
-                <a14:useLocalDpi xmlns:a14="http://schemas.microsoft.com/office/drawing/2010/main"/>
-              </a:ext>
-            </a:extLst>
-          </a:blip>
-          <a:stretch>
-            <a:fillRect/>
-          </a:stretch>
-        </p:blipFill>
-        <p:spPr>
-          <a:xfrm>
-            <a:off x="5092917" y="3492499"/>
-            <a:ext cx="735286" cy="1694355"/>
-          </a:xfrm>
-          <a:prstGeom prst="rect">
-            <a:avLst/>
-          </a:prstGeom>
-        </p:spPr>
-      </p:pic>
-      <p:pic>
-        <p:nvPicPr>
-          <p:cNvPr id="17" name="Picture 16">
-            <a:extLst>
-              <a:ext uri="{FF2B5EF4-FFF2-40B4-BE49-F238E27FC236}">
-                <a16:creationId xmlns:a16="http://schemas.microsoft.com/office/drawing/2014/main" id="{9F454B58-6C57-4A4E-1E95-7B7986C81B91}"/>
-              </a:ext>
-            </a:extLst>
-          </p:cNvPr>
-          <p:cNvPicPr>
-            <a:picLocks noChangeAspect="1"/>
-          </p:cNvPicPr>
-          <p:nvPr/>
-        </p:nvPicPr>
-        <p:blipFill>
-          <a:blip r:embed="rId10" cstate="email">
-            <a:extLst>
-              <a:ext uri="{28A0092B-C50C-407E-A947-70E740481C1C}">
-                <a14:useLocalDpi xmlns:a14="http://schemas.microsoft.com/office/drawing/2010/main"/>
-              </a:ext>
-            </a:extLst>
-          </a:blip>
-          <a:stretch>
-            <a:fillRect/>
-          </a:stretch>
-        </p:blipFill>
-        <p:spPr>
-          <a:xfrm>
-            <a:off x="3342289" y="1694963"/>
-            <a:ext cx="2048641" cy="659128"/>
-          </a:xfrm>
-          <a:prstGeom prst="rect">
-            <a:avLst/>
-          </a:prstGeom>
-        </p:spPr>
-      </p:pic>
-      <p:pic>
-        <p:nvPicPr>
-          <p:cNvPr id="1026" name="Picture 2" descr="Amazon.com: Mini Chainsaw Cordless 20V 2pcs Batteries, GOXAWEE 4 Inch  Electric Power Chain Saw, One-Hand Operated Portable Wood Saw for Farming  Tree Limbs, Garden Pruning, Bonsai Trunk, and Firewood : Patio, Lawn">
-            <a:extLst>
-              <a:ext uri="{FF2B5EF4-FFF2-40B4-BE49-F238E27FC236}">
-                <a16:creationId xmlns:a16="http://schemas.microsoft.com/office/drawing/2014/main" id="{957ACDA5-5BC4-707E-3FBC-539E65849906}"/>
+          <p:cNvPr id="1026" name="Picture 2" descr="Gardening Tools: List of 44 Useful Tools Names for Gardening">
+            <a:extLst>
+              <a:ext uri="{FF2B5EF4-FFF2-40B4-BE49-F238E27FC236}">
+                <a16:creationId xmlns:a16="http://schemas.microsoft.com/office/drawing/2014/main" id="{2DA251A1-F89E-A05B-5490-C4CA4EE12C4C}"/>
               </a:ext>
             </a:extLst>
           </p:cNvPr>
@@ -6009,8 +5306,8 @@
           </p:cNvPicPr>
           <p:nvPr/>
         </p:nvPicPr>
-        <p:blipFill>
-          <a:blip r:embed="rId11" cstate="email">
+        <p:blipFill rotWithShape="1">
+          <a:blip r:embed="rId2" cstate="email">
             <a:extLst>
               <a:ext uri="{28A0092B-C50C-407E-A947-70E740481C1C}">
                 <a14:useLocalDpi xmlns:a14="http://schemas.microsoft.com/office/drawing/2010/main"/>
@@ -6018,19 +5315,22 @@
             </a:extLst>
           </a:blip>
           <a:srcRect/>
-          <a:stretch>
-            <a:fillRect/>
-          </a:stretch>
+          <a:stretch/>
         </p:blipFill>
         <p:spPr bwMode="auto">
           <a:xfrm>
-            <a:off x="6561075" y="2513587"/>
-            <a:ext cx="1489951" cy="1483085"/>
+            <a:off x="7436234" y="578069"/>
+            <a:ext cx="4675187" cy="6114174"/>
           </a:xfrm>
           <a:prstGeom prst="rect">
             <a:avLst/>
           </a:prstGeom>
           <a:noFill/>
+          <a:ln>
+            <a:solidFill>
+              <a:srgbClr val="FF0000"/>
+            </a:solidFill>
+          </a:ln>
           <a:extLst>
             <a:ext uri="{909E8E84-426E-40DD-AFC4-6F175D3DCCD1}">
               <a14:hiddenFill xmlns:a14="http://schemas.microsoft.com/office/drawing/2010/main">
@@ -6042,136 +5342,92 @@
           </a:extLst>
         </p:spPr>
       </p:pic>
-      <p:sp>
-        <p:nvSpPr>
-          <p:cNvPr id="18" name="TextBox 17">
-            <a:extLst>
-              <a:ext uri="{FF2B5EF4-FFF2-40B4-BE49-F238E27FC236}">
-                <a16:creationId xmlns:a16="http://schemas.microsoft.com/office/drawing/2014/main" id="{2A53F5D1-3719-623D-5560-E4EBDC89682D}"/>
-              </a:ext>
-            </a:extLst>
-          </p:cNvPr>
-          <p:cNvSpPr txBox="1"/>
-          <p:nvPr/>
-        </p:nvSpPr>
-        <p:spPr>
-          <a:xfrm>
-            <a:off x="6676689" y="4097571"/>
-            <a:ext cx="1489951" cy="523220"/>
-          </a:xfrm>
-          <a:prstGeom prst="rect">
-            <a:avLst/>
-          </a:prstGeom>
-          <a:noFill/>
-        </p:spPr>
-        <p:txBody>
-          <a:bodyPr wrap="square" rtlCol="0">
-            <a:spAutoFit/>
-          </a:bodyPr>
-          <a:lstStyle/>
-          <a:p>
-            <a:pPr algn="ctr"/>
-            <a:r>
-              <a:rPr lang="en-US" sz="1400"/>
-              <a:t>Mini  Cordless Chainsaw Electric</a:t>
-            </a:r>
-          </a:p>
-        </p:txBody>
-      </p:sp>
-      <p:sp>
-        <p:nvSpPr>
-          <p:cNvPr id="19" name="TextBox 18">
-            <a:extLst>
-              <a:ext uri="{FF2B5EF4-FFF2-40B4-BE49-F238E27FC236}">
-                <a16:creationId xmlns:a16="http://schemas.microsoft.com/office/drawing/2014/main" id="{F15A71BA-B591-09D0-D686-C17C4D381DCE}"/>
-              </a:ext>
-            </a:extLst>
-          </p:cNvPr>
-          <p:cNvSpPr txBox="1"/>
-          <p:nvPr/>
-        </p:nvSpPr>
-        <p:spPr>
-          <a:xfrm>
-            <a:off x="6161307" y="1416696"/>
-            <a:ext cx="2048641" cy="523220"/>
-          </a:xfrm>
-          <a:prstGeom prst="rect">
-            <a:avLst/>
-          </a:prstGeom>
-          <a:noFill/>
-        </p:spPr>
-        <p:txBody>
-          <a:bodyPr wrap="square" rtlCol="0">
-            <a:spAutoFit/>
-          </a:bodyPr>
-          <a:lstStyle/>
-          <a:p>
-            <a:pPr algn="ctr"/>
-            <a:r>
-              <a:rPr lang="en-US" sz="1400"/>
-              <a:t>Famous FELCO Pruners:</a:t>
-            </a:r>
-          </a:p>
-          <a:p>
-            <a:pPr algn="ctr"/>
-            <a:r>
-              <a:rPr lang="en-US" sz="1400"/>
-              <a:t> F2, F6, F15</a:t>
-            </a:r>
-          </a:p>
-        </p:txBody>
-      </p:sp>
       <p:pic>
         <p:nvPicPr>
-          <p:cNvPr id="1028" name="Picture 4" descr="All About Felco Pruning Shears">
-            <a:extLst>
-              <a:ext uri="{FF2B5EF4-FFF2-40B4-BE49-F238E27FC236}">
-                <a16:creationId xmlns:a16="http://schemas.microsoft.com/office/drawing/2014/main" id="{2891211D-7D41-BD41-8792-C31D3CA4391E}"/>
+          <p:cNvPr id="2" name="Picture 1">
+            <a:extLst>
+              <a:ext uri="{FF2B5EF4-FFF2-40B4-BE49-F238E27FC236}">
+                <a16:creationId xmlns:a16="http://schemas.microsoft.com/office/drawing/2014/main" id="{11D7F793-5510-7BC6-0C3A-0009B259CA58}"/>
               </a:ext>
             </a:extLst>
           </p:cNvPr>
           <p:cNvPicPr>
-            <a:picLocks noChangeAspect="1" noChangeArrowheads="1"/>
+            <a:picLocks noChangeAspect="1"/>
           </p:cNvPicPr>
           <p:nvPr/>
         </p:nvPicPr>
         <p:blipFill>
-          <a:blip r:embed="rId12" cstate="email">
+          <a:blip r:embed="rId3" cstate="email">
             <a:extLst>
               <a:ext uri="{28A0092B-C50C-407E-A947-70E740481C1C}">
                 <a14:useLocalDpi xmlns:a14="http://schemas.microsoft.com/office/drawing/2010/main"/>
               </a:ext>
             </a:extLst>
           </a:blip>
-          <a:srcRect/>
           <a:stretch>
             <a:fillRect/>
           </a:stretch>
         </p:blipFill>
-        <p:spPr bwMode="auto">
-          <a:xfrm>
-            <a:off x="5998399" y="65533"/>
-            <a:ext cx="2360335" cy="1335950"/>
-          </a:xfrm>
-          <a:prstGeom prst="rect">
-            <a:avLst/>
-          </a:prstGeom>
-          <a:noFill/>
-          <a:extLst>
-            <a:ext uri="{909E8E84-426E-40DD-AFC4-6F175D3DCCD1}">
-              <a14:hiddenFill xmlns:a14="http://schemas.microsoft.com/office/drawing/2010/main">
-                <a:solidFill>
-                  <a:srgbClr val="FFFFFF"/>
-                </a:solidFill>
-              </a14:hiddenFill>
-            </a:ext>
-          </a:extLst>
+        <p:spPr>
+          <a:xfrm>
+            <a:off x="191157" y="3114304"/>
+            <a:ext cx="2583574" cy="3577939"/>
+          </a:xfrm>
+          <a:prstGeom prst="rect">
+            <a:avLst/>
+          </a:prstGeom>
+          <a:ln>
+            <a:solidFill>
+              <a:srgbClr val="FF0000"/>
+            </a:solidFill>
+          </a:ln>
+        </p:spPr>
+      </p:pic>
+      <p:pic>
+        <p:nvPicPr>
+          <p:cNvPr id="3" name="Picture 2">
+            <a:extLst>
+              <a:ext uri="{FF2B5EF4-FFF2-40B4-BE49-F238E27FC236}">
+                <a16:creationId xmlns:a16="http://schemas.microsoft.com/office/drawing/2014/main" id="{F0821D00-1E27-6487-0529-76A9914FBD94}"/>
+              </a:ext>
+            </a:extLst>
+          </p:cNvPr>
+          <p:cNvPicPr>
+            <a:picLocks noChangeAspect="1"/>
+          </p:cNvPicPr>
+          <p:nvPr/>
+        </p:nvPicPr>
+        <p:blipFill>
+          <a:blip r:embed="rId4" cstate="email">
+            <a:extLst>
+              <a:ext uri="{28A0092B-C50C-407E-A947-70E740481C1C}">
+                <a14:useLocalDpi xmlns:a14="http://schemas.microsoft.com/office/drawing/2010/main"/>
+              </a:ext>
+            </a:extLst>
+          </a:blip>
+          <a:stretch>
+            <a:fillRect/>
+          </a:stretch>
+        </p:blipFill>
+        <p:spPr>
+          <a:xfrm>
+            <a:off x="2946017" y="3087069"/>
+            <a:ext cx="2487831" cy="3605173"/>
+          </a:xfrm>
+          <a:prstGeom prst="rect">
+            <a:avLst/>
+          </a:prstGeom>
+          <a:ln>
+            <a:solidFill>
+              <a:srgbClr val="FF0000"/>
+            </a:solidFill>
+          </a:ln>
         </p:spPr>
       </p:pic>
     </p:spTree>
     <p:extLst>
       <p:ext uri="{BB962C8B-B14F-4D97-AF65-F5344CB8AC3E}">
-        <p14:creationId xmlns:p14="http://schemas.microsoft.com/office/powerpoint/2010/main" val="3120975842"/>
+        <p14:creationId xmlns:p14="http://schemas.microsoft.com/office/powerpoint/2010/main" val="1017366265"/>
       </p:ext>
     </p:extLst>
   </p:cSld>
@@ -6203,7 +5459,7 @@
           <p:cNvPr id="2" name="TextBox 1">
             <a:extLst>
               <a:ext uri="{FF2B5EF4-FFF2-40B4-BE49-F238E27FC236}">
-                <a16:creationId xmlns:a16="http://schemas.microsoft.com/office/drawing/2014/main" id="{75CEB81B-E17A-1063-F078-D29B4D203B17}"/>
+                <a16:creationId xmlns:a16="http://schemas.microsoft.com/office/drawing/2014/main" id="{0F9C1FC2-3030-3583-3E86-0E7F183D22D7}"/>
               </a:ext>
             </a:extLst>
           </p:cNvPr>
@@ -6212,8 +5468,8 @@
         </p:nvSpPr>
         <p:spPr>
           <a:xfrm>
-            <a:off x="1" y="38404"/>
-            <a:ext cx="1650124" cy="523220"/>
+            <a:off x="210207" y="1026468"/>
+            <a:ext cx="4803228" cy="3539430"/>
           </a:xfrm>
           <a:prstGeom prst="rect">
             <a:avLst/>
@@ -6226,11 +5482,158 @@
           </a:bodyPr>
           <a:lstStyle/>
           <a:p>
-            <a:r>
-              <a:rPr lang="en-US" sz="2800" b="1"/>
-              <a:t>Loopers</a:t>
-            </a:r>
-            <a:endParaRPr lang="en-US" sz="1200" b="1"/>
+            <a:pPr marL="285750" indent="-285750">
+              <a:buFont typeface="Arial" panose="020B0604020202020204" pitchFamily="34" charset="0"/>
+              <a:buChar char="•"/>
+            </a:pPr>
+            <a:r>
+              <a:rPr lang="en-US" sz="1400" b="1">
+                <a:solidFill>
+                  <a:srgbClr val="FF0000"/>
+                </a:solidFill>
+              </a:rPr>
+              <a:t>pruning shear</a:t>
+            </a:r>
+            <a:r>
+              <a:rPr lang="en-US" sz="1400"/>
+              <a:t> - a garden tool to cut branches. There are three types: bypass, anvil, ratchets</a:t>
+            </a:r>
+          </a:p>
+          <a:p>
+            <a:pPr marL="285750" indent="-285750">
+              <a:buFont typeface="Arial" panose="020B0604020202020204" pitchFamily="34" charset="0"/>
+              <a:buChar char="•"/>
+            </a:pPr>
+            <a:endParaRPr lang="en-US" sz="1400"/>
+          </a:p>
+          <a:p>
+            <a:pPr marL="285750" indent="-285750">
+              <a:buFont typeface="Arial" panose="020B0604020202020204" pitchFamily="34" charset="0"/>
+              <a:buChar char="•"/>
+            </a:pPr>
+            <a:endParaRPr lang="en-US" sz="1400"/>
+          </a:p>
+          <a:p>
+            <a:pPr marL="285750" indent="-285750">
+              <a:buFont typeface="Arial" panose="020B0604020202020204" pitchFamily="34" charset="0"/>
+              <a:buChar char="•"/>
+            </a:pPr>
+            <a:r>
+              <a:rPr lang="en-US" sz="1400" b="1">
+                <a:solidFill>
+                  <a:srgbClr val="FF0000"/>
+                </a:solidFill>
+              </a:rPr>
+              <a:t>Loppers</a:t>
+            </a:r>
+            <a:r>
+              <a:rPr lang="en-US" sz="1400"/>
+              <a:t> - sheers with long handles </a:t>
+            </a:r>
+            <a:br>
+              <a:rPr lang="en-US" sz="1400"/>
+            </a:br>
+            <a:r>
+              <a:rPr lang="en-US" sz="1400"/>
+              <a:t>(cut up to 2.5")</a:t>
+            </a:r>
+          </a:p>
+          <a:p>
+            <a:pPr marL="285750" indent="-285750">
+              <a:buFont typeface="Arial" panose="020B0604020202020204" pitchFamily="34" charset="0"/>
+              <a:buChar char="•"/>
+            </a:pPr>
+            <a:endParaRPr lang="en-US" sz="1400"/>
+          </a:p>
+          <a:p>
+            <a:pPr marL="285750" indent="-285750">
+              <a:buFont typeface="Arial" panose="020B0604020202020204" pitchFamily="34" charset="0"/>
+              <a:buChar char="•"/>
+            </a:pPr>
+            <a:endParaRPr lang="en-US" sz="1400"/>
+          </a:p>
+          <a:p>
+            <a:pPr marL="285750" indent="-285750">
+              <a:buFont typeface="Arial" panose="020B0604020202020204" pitchFamily="34" charset="0"/>
+              <a:buChar char="•"/>
+            </a:pPr>
+            <a:endParaRPr lang="en-US" sz="1400"/>
+          </a:p>
+          <a:p>
+            <a:pPr marL="285750" indent="-285750">
+              <a:buFont typeface="Arial" panose="020B0604020202020204" pitchFamily="34" charset="0"/>
+              <a:buChar char="•"/>
+            </a:pPr>
+            <a:r>
+              <a:rPr lang="en-US" sz="1400" b="1">
+                <a:solidFill>
+                  <a:srgbClr val="FF0000"/>
+                </a:solidFill>
+              </a:rPr>
+              <a:t>Pruning Saw</a:t>
+            </a:r>
+            <a:r>
+              <a:rPr lang="en-US" sz="1400"/>
+              <a:t> - cut up to 5" branches</a:t>
+            </a:r>
+          </a:p>
+          <a:p>
+            <a:pPr marL="285750" indent="-285750">
+              <a:buFont typeface="Arial" panose="020B0604020202020204" pitchFamily="34" charset="0"/>
+              <a:buChar char="•"/>
+            </a:pPr>
+            <a:endParaRPr lang="en-US" sz="1400"/>
+          </a:p>
+          <a:p>
+            <a:pPr marL="285750" indent="-285750">
+              <a:buFont typeface="Arial" panose="020B0604020202020204" pitchFamily="34" charset="0"/>
+              <a:buChar char="•"/>
+            </a:pPr>
+            <a:endParaRPr lang="en-US" sz="1400"/>
+          </a:p>
+          <a:p>
+            <a:pPr marL="285750" indent="-285750">
+              <a:buFont typeface="Arial" panose="020B0604020202020204" pitchFamily="34" charset="0"/>
+              <a:buChar char="•"/>
+            </a:pPr>
+            <a:endParaRPr lang="en-US" sz="1400"/>
+          </a:p>
+          <a:p>
+            <a:pPr marL="285750" indent="-285750">
+              <a:buFont typeface="Arial" panose="020B0604020202020204" pitchFamily="34" charset="0"/>
+              <a:buChar char="•"/>
+            </a:pPr>
+            <a:r>
+              <a:rPr lang="en-US" sz="1400" b="1">
+                <a:solidFill>
+                  <a:srgbClr val="FF0000"/>
+                </a:solidFill>
+              </a:rPr>
+              <a:t>Pole (tree) Pruner</a:t>
+            </a:r>
+            <a:r>
+              <a:rPr lang="en-US" sz="1400"/>
+              <a:t> - allows to reach high (8 ft) and cut branches up to 1.25". There are hand cutting and </a:t>
+            </a:r>
+            <a:r>
+              <a:rPr lang="en-US" sz="1400" b="1">
+                <a:solidFill>
+                  <a:srgbClr val="FF0000"/>
+                </a:solidFill>
+              </a:rPr>
+              <a:t>electric</a:t>
+            </a:r>
+            <a:r>
+              <a:rPr lang="en-US" sz="1400"/>
+              <a:t>.</a:t>
+            </a:r>
+          </a:p>
+          <a:p>
+            <a:pPr marL="285750" indent="-285750">
+              <a:buFont typeface="Arial" panose="020B0604020202020204" pitchFamily="34" charset="0"/>
+              <a:buChar char="•"/>
+            </a:pPr>
+            <a:endParaRPr lang="en-US" sz="1400"/>
           </a:p>
         </p:txBody>
       </p:sp>
@@ -6239,7 +5642,7 @@
           <p:cNvPr id="3" name="TextBox 2">
             <a:extLst>
               <a:ext uri="{FF2B5EF4-FFF2-40B4-BE49-F238E27FC236}">
-                <a16:creationId xmlns:a16="http://schemas.microsoft.com/office/drawing/2014/main" id="{C19FBB0F-87C9-0B52-62F3-0E034AFE7E52}"/>
+                <a16:creationId xmlns:a16="http://schemas.microsoft.com/office/drawing/2014/main" id="{B6218BB6-79C2-59C9-39E4-27A17C7980D1}"/>
               </a:ext>
             </a:extLst>
           </p:cNvPr>
@@ -6248,8 +5651,8 @@
         </p:nvSpPr>
         <p:spPr>
           <a:xfrm>
-            <a:off x="388883" y="1051035"/>
-            <a:ext cx="5707117" cy="3970318"/>
+            <a:off x="0" y="38404"/>
+            <a:ext cx="6684579" cy="707886"/>
           </a:xfrm>
           <a:prstGeom prst="rect">
             <a:avLst/>
@@ -6263,107 +5666,19 @@
           <a:lstStyle/>
           <a:p>
             <a:r>
-              <a:rPr lang="en-US" sz="1400" b="0" i="0">
-                <a:solidFill>
-                  <a:srgbClr val="0F1111"/>
-                </a:solidFill>
-                <a:effectLst/>
-              </a:rPr>
-              <a:t>Fiskars Ratchet Drive Anvil Lopper 27"</a:t>
-            </a:r>
-          </a:p>
-          <a:p>
-            <a:r>
-              <a:rPr lang="en-US" sz="1400"/>
-              <a:t> .. </a:t>
-            </a:r>
-            <a:r>
-              <a:rPr lang="en-US" sz="1400">
+              <a:rPr lang="en-US" sz="2800" b="1"/>
+              <a:t>Pruner</a:t>
+            </a:r>
+            <a:br>
+              <a:rPr lang="en-US" sz="2800" b="1"/>
+            </a:br>
+            <a:r>
+              <a:rPr lang="en-US" sz="1200" b="1">
                 <a:hlinkClick r:id="rId2"/>
               </a:rPr>
-              <a:t>https://www.amazon.com/gp/product/B003BC79KS/</a:t>
-            </a:r>
-            <a:endParaRPr lang="en-US" sz="1400"/>
-          </a:p>
-          <a:p>
-            <a:endParaRPr lang="en-US" sz="1400"/>
-          </a:p>
-          <a:p>
-            <a:endParaRPr lang="en-US" sz="1400"/>
-          </a:p>
-          <a:p>
-            <a:endParaRPr lang="en-US" sz="1400"/>
-          </a:p>
-          <a:p>
-            <a:endParaRPr lang="en-US" sz="1400"/>
-          </a:p>
-          <a:p>
-            <a:endParaRPr lang="en-US" sz="1400"/>
-          </a:p>
-          <a:p>
-            <a:endParaRPr lang="en-US" sz="1400"/>
-          </a:p>
-          <a:p>
-            <a:r>
-              <a:rPr lang="en-US" sz="1400" b="0" i="0">
-                <a:solidFill>
-                  <a:srgbClr val="0F1111"/>
-                </a:solidFill>
-                <a:effectLst/>
-              </a:rPr>
-              <a:t>TABOR TOOLS GG12A Anvil Lopper 30"</a:t>
-            </a:r>
-            <a:endParaRPr lang="en-US" sz="1400"/>
-          </a:p>
-          <a:p>
-            <a:r>
-              <a:rPr lang="en-US" sz="1400"/>
-              <a:t>.. </a:t>
-            </a:r>
-            <a:r>
-              <a:rPr lang="en-US" sz="1400">
-                <a:hlinkClick r:id="rId3"/>
-              </a:rPr>
-              <a:t>https://www.amazon.com/dp/B01E5NQ2U4/</a:t>
-            </a:r>
-            <a:endParaRPr lang="en-US" sz="1400"/>
-          </a:p>
-          <a:p>
-            <a:endParaRPr lang="en-US" sz="1400"/>
-          </a:p>
-          <a:p>
-            <a:endParaRPr lang="en-US" sz="1400"/>
-          </a:p>
-          <a:p>
-            <a:endParaRPr lang="en-US" sz="1400"/>
-          </a:p>
-          <a:p>
-            <a:endParaRPr lang="en-US" sz="1400"/>
-          </a:p>
-          <a:p>
-            <a:endParaRPr lang="en-US" sz="1400"/>
-          </a:p>
-          <a:p>
-            <a:endParaRPr lang="en-US" sz="1400"/>
-          </a:p>
-          <a:p>
-            <a:r>
-              <a:rPr lang="en-US" sz="1400"/>
-              <a:t>Fiskars-32-Inch-PowerGear-Bypass-Lopper  32"</a:t>
-            </a:r>
-          </a:p>
-          <a:p>
-            <a:r>
-              <a:rPr lang="en-US" sz="1400"/>
-              <a:t>.. </a:t>
-            </a:r>
-            <a:r>
-              <a:rPr lang="en-US" sz="1400">
-                <a:hlinkClick r:id="rId4"/>
-              </a:rPr>
-              <a:t>https://www.amazon.com/dp/B00004SD74/</a:t>
-            </a:r>
-            <a:endParaRPr lang="en-US" sz="1400"/>
+              <a:t>https://www.precisiontreemn.com/tips/5-must-have-pruning-tools.html</a:t>
+            </a:r>
+            <a:endParaRPr lang="en-US" sz="1200" b="1"/>
           </a:p>
         </p:txBody>
       </p:sp>
@@ -6372,7 +5687,224 @@
           <p:cNvPr id="4" name="Picture 3">
             <a:extLst>
               <a:ext uri="{FF2B5EF4-FFF2-40B4-BE49-F238E27FC236}">
-                <a16:creationId xmlns:a16="http://schemas.microsoft.com/office/drawing/2014/main" id="{52D2F00F-8F9D-6904-9C83-283053737EFA}"/>
+                <a16:creationId xmlns:a16="http://schemas.microsoft.com/office/drawing/2014/main" id="{ADE0AFB0-D773-CA50-9C17-6F9EF7F9F106}"/>
+              </a:ext>
+            </a:extLst>
+          </p:cNvPr>
+          <p:cNvPicPr>
+            <a:picLocks noChangeAspect="1"/>
+          </p:cNvPicPr>
+          <p:nvPr/>
+        </p:nvPicPr>
+        <p:blipFill>
+          <a:blip r:embed="rId3" cstate="email">
+            <a:extLst>
+              <a:ext uri="{28A0092B-C50C-407E-A947-70E740481C1C}">
+                <a14:useLocalDpi xmlns:a14="http://schemas.microsoft.com/office/drawing/2010/main"/>
+              </a:ext>
+            </a:extLst>
+          </a:blip>
+          <a:stretch>
+            <a:fillRect/>
+          </a:stretch>
+        </p:blipFill>
+        <p:spPr>
+          <a:xfrm>
+            <a:off x="9133488" y="199338"/>
+            <a:ext cx="2582696" cy="914821"/>
+          </a:xfrm>
+          <a:prstGeom prst="rect">
+            <a:avLst/>
+          </a:prstGeom>
+        </p:spPr>
+      </p:pic>
+      <p:pic>
+        <p:nvPicPr>
+          <p:cNvPr id="5" name="Picture 4">
+            <a:extLst>
+              <a:ext uri="{FF2B5EF4-FFF2-40B4-BE49-F238E27FC236}">
+                <a16:creationId xmlns:a16="http://schemas.microsoft.com/office/drawing/2014/main" id="{F8220B7C-598C-9ADB-4BA2-19E7759D91AE}"/>
+              </a:ext>
+            </a:extLst>
+          </p:cNvPr>
+          <p:cNvPicPr>
+            <a:picLocks noChangeAspect="1"/>
+          </p:cNvPicPr>
+          <p:nvPr/>
+        </p:nvPicPr>
+        <p:blipFill>
+          <a:blip r:embed="rId4" cstate="email">
+            <a:extLst>
+              <a:ext uri="{28A0092B-C50C-407E-A947-70E740481C1C}">
+                <a14:useLocalDpi xmlns:a14="http://schemas.microsoft.com/office/drawing/2010/main"/>
+              </a:ext>
+            </a:extLst>
+          </a:blip>
+          <a:stretch>
+            <a:fillRect/>
+          </a:stretch>
+        </p:blipFill>
+        <p:spPr>
+          <a:xfrm>
+            <a:off x="9316543" y="4594765"/>
+            <a:ext cx="2189436" cy="1016013"/>
+          </a:xfrm>
+          <a:prstGeom prst="rect">
+            <a:avLst/>
+          </a:prstGeom>
+        </p:spPr>
+      </p:pic>
+      <p:sp>
+        <p:nvSpPr>
+          <p:cNvPr id="6" name="TextBox 5">
+            <a:extLst>
+              <a:ext uri="{FF2B5EF4-FFF2-40B4-BE49-F238E27FC236}">
+                <a16:creationId xmlns:a16="http://schemas.microsoft.com/office/drawing/2014/main" id="{8B686D84-290E-FD20-73BA-30EEAA48512D}"/>
+              </a:ext>
+            </a:extLst>
+          </p:cNvPr>
+          <p:cNvSpPr txBox="1"/>
+          <p:nvPr/>
+        </p:nvSpPr>
+        <p:spPr>
+          <a:xfrm>
+            <a:off x="8839200" y="1201252"/>
+            <a:ext cx="3352800" cy="738664"/>
+          </a:xfrm>
+          <a:prstGeom prst="rect">
+            <a:avLst/>
+          </a:prstGeom>
+          <a:noFill/>
+        </p:spPr>
+        <p:txBody>
+          <a:bodyPr wrap="square" rtlCol="0">
+            <a:spAutoFit/>
+          </a:bodyPr>
+          <a:lstStyle/>
+          <a:p>
+            <a:r>
+              <a:rPr lang="en-US" sz="1400" b="1">
+                <a:solidFill>
+                  <a:srgbClr val="FF0000"/>
+                </a:solidFill>
+              </a:rPr>
+              <a:t>bypass pruner</a:t>
+            </a:r>
+            <a:r>
+              <a:rPr lang="en-US" sz="1400"/>
+              <a:t> - cut soft branches &amp; leaves. </a:t>
+            </a:r>
+            <a:br>
+              <a:rPr lang="en-US" sz="1400"/>
+            </a:br>
+            <a:r>
+              <a:rPr lang="en-US" sz="1400"/>
+              <a:t>It has curved sharp blade and hook (like scissors).</a:t>
+            </a:r>
+          </a:p>
+        </p:txBody>
+      </p:sp>
+      <p:sp>
+        <p:nvSpPr>
+          <p:cNvPr id="7" name="TextBox 6">
+            <a:extLst>
+              <a:ext uri="{FF2B5EF4-FFF2-40B4-BE49-F238E27FC236}">
+                <a16:creationId xmlns:a16="http://schemas.microsoft.com/office/drawing/2014/main" id="{9BE871A6-A42F-F021-3473-1C6BD1DFA2F1}"/>
+              </a:ext>
+            </a:extLst>
+          </p:cNvPr>
+          <p:cNvSpPr txBox="1"/>
+          <p:nvPr/>
+        </p:nvSpPr>
+        <p:spPr>
+          <a:xfrm>
+            <a:off x="8923283" y="5715881"/>
+            <a:ext cx="3058511" cy="738664"/>
+          </a:xfrm>
+          <a:prstGeom prst="rect">
+            <a:avLst/>
+          </a:prstGeom>
+          <a:noFill/>
+        </p:spPr>
+        <p:txBody>
+          <a:bodyPr wrap="square" rtlCol="0">
+            <a:spAutoFit/>
+          </a:bodyPr>
+          <a:lstStyle/>
+          <a:p>
+            <a:r>
+              <a:rPr lang="en-US" sz="1400" b="1">
+                <a:solidFill>
+                  <a:srgbClr val="FF0000"/>
+                </a:solidFill>
+              </a:rPr>
+              <a:t>Hedge Shears</a:t>
+            </a:r>
+            <a:r>
+              <a:rPr lang="en-US" sz="1400"/>
+              <a:t> – to cut hedges, small shrubs, evergreens, or deadheading perennials</a:t>
+            </a:r>
+            <a:r>
+              <a:rPr lang="en-US" sz="1400" b="1">
+                <a:solidFill>
+                  <a:srgbClr val="FF0000"/>
+                </a:solidFill>
+              </a:rPr>
+              <a:t> </a:t>
+            </a:r>
+            <a:endParaRPr lang="en-US" sz="1400"/>
+          </a:p>
+        </p:txBody>
+      </p:sp>
+      <p:sp>
+        <p:nvSpPr>
+          <p:cNvPr id="9" name="TextBox 8">
+            <a:extLst>
+              <a:ext uri="{FF2B5EF4-FFF2-40B4-BE49-F238E27FC236}">
+                <a16:creationId xmlns:a16="http://schemas.microsoft.com/office/drawing/2014/main" id="{E2E3AEF1-1015-2BAE-27CA-65DE4EDCFF2E}"/>
+              </a:ext>
+            </a:extLst>
+          </p:cNvPr>
+          <p:cNvSpPr txBox="1"/>
+          <p:nvPr/>
+        </p:nvSpPr>
+        <p:spPr>
+          <a:xfrm>
+            <a:off x="9133488" y="3561479"/>
+            <a:ext cx="3058512" cy="738664"/>
+          </a:xfrm>
+          <a:prstGeom prst="rect">
+            <a:avLst/>
+          </a:prstGeom>
+          <a:noFill/>
+        </p:spPr>
+        <p:txBody>
+          <a:bodyPr wrap="square" rtlCol="0">
+            <a:spAutoFit/>
+          </a:bodyPr>
+          <a:lstStyle/>
+          <a:p>
+            <a:r>
+              <a:rPr lang="en-US" sz="1400" b="1">
+                <a:solidFill>
+                  <a:srgbClr val="FF0000"/>
+                </a:solidFill>
+              </a:rPr>
+              <a:t>Anvil pruners</a:t>
+            </a:r>
+            <a:r>
+              <a:rPr lang="en-US" sz="1400"/>
+              <a:t> look similar to bypass pruners, has a sharp blade and a metal "pocket" that the blade crushes upon. </a:t>
+            </a:r>
+          </a:p>
+        </p:txBody>
+      </p:sp>
+      <p:pic>
+        <p:nvPicPr>
+          <p:cNvPr id="10" name="Picture 9">
+            <a:extLst>
+              <a:ext uri="{FF2B5EF4-FFF2-40B4-BE49-F238E27FC236}">
+                <a16:creationId xmlns:a16="http://schemas.microsoft.com/office/drawing/2014/main" id="{0C8909C5-0BF9-FD7F-4562-668B4529A481}"/>
               </a:ext>
             </a:extLst>
           </p:cNvPr>
@@ -6395,8 +5927,8 @@
         </p:blipFill>
         <p:spPr>
           <a:xfrm>
-            <a:off x="4783061" y="4683655"/>
-            <a:ext cx="3127050" cy="1075546"/>
+            <a:off x="9357820" y="2209969"/>
+            <a:ext cx="2189436" cy="1246407"/>
           </a:xfrm>
           <a:prstGeom prst="rect">
             <a:avLst/>
@@ -6405,10 +5937,10 @@
       </p:pic>
       <p:pic>
         <p:nvPicPr>
-          <p:cNvPr id="6" name="Picture 5">
-            <a:extLst>
-              <a:ext uri="{FF2B5EF4-FFF2-40B4-BE49-F238E27FC236}">
-                <a16:creationId xmlns:a16="http://schemas.microsoft.com/office/drawing/2014/main" id="{B5AC0A67-1405-B518-4602-38152656552E}"/>
+          <p:cNvPr id="12" name="Picture 11">
+            <a:extLst>
+              <a:ext uri="{FF2B5EF4-FFF2-40B4-BE49-F238E27FC236}">
+                <a16:creationId xmlns:a16="http://schemas.microsoft.com/office/drawing/2014/main" id="{66824CA3-1600-40B2-036F-FDAA468B32A3}"/>
               </a:ext>
             </a:extLst>
           </p:cNvPr>
@@ -6430,9 +5962,9 @@
           </a:stretch>
         </p:blipFill>
         <p:spPr>
-          <a:xfrm>
-            <a:off x="4778323" y="1043069"/>
-            <a:ext cx="2591962" cy="766237"/>
+          <a:xfrm rot="16200000">
+            <a:off x="1012420" y="4163043"/>
+            <a:ext cx="1023161" cy="2313816"/>
           </a:xfrm>
           <a:prstGeom prst="rect">
             <a:avLst/>
@@ -6441,10 +5973,10 @@
       </p:pic>
       <p:pic>
         <p:nvPicPr>
-          <p:cNvPr id="7" name="Picture 6">
-            <a:extLst>
-              <a:ext uri="{FF2B5EF4-FFF2-40B4-BE49-F238E27FC236}">
-                <a16:creationId xmlns:a16="http://schemas.microsoft.com/office/drawing/2014/main" id="{60EDA855-250F-251D-D751-F73C61AAC4DD}"/>
+          <p:cNvPr id="13" name="Picture 12">
+            <a:extLst>
+              <a:ext uri="{FF2B5EF4-FFF2-40B4-BE49-F238E27FC236}">
+                <a16:creationId xmlns:a16="http://schemas.microsoft.com/office/drawing/2014/main" id="{0830CAF4-FD2B-1F24-6319-DC652608321C}"/>
               </a:ext>
             </a:extLst>
           </p:cNvPr>
@@ -6467,18 +5999,342 @@
         </p:blipFill>
         <p:spPr>
           <a:xfrm>
-            <a:off x="4778322" y="2767630"/>
-            <a:ext cx="2971800" cy="1295400"/>
-          </a:xfrm>
-          <a:prstGeom prst="rect">
-            <a:avLst/>
-          </a:prstGeom>
+            <a:off x="3264134" y="4815782"/>
+            <a:ext cx="1613201" cy="1893338"/>
+          </a:xfrm>
+          <a:prstGeom prst="rect">
+            <a:avLst/>
+          </a:prstGeom>
+        </p:spPr>
+      </p:pic>
+      <p:sp>
+        <p:nvSpPr>
+          <p:cNvPr id="14" name="TextBox 13">
+            <a:extLst>
+              <a:ext uri="{FF2B5EF4-FFF2-40B4-BE49-F238E27FC236}">
+                <a16:creationId xmlns:a16="http://schemas.microsoft.com/office/drawing/2014/main" id="{3261E771-90AC-1E31-2009-9A9C86119A67}"/>
+              </a:ext>
+            </a:extLst>
+          </p:cNvPr>
+          <p:cNvSpPr txBox="1"/>
+          <p:nvPr/>
+        </p:nvSpPr>
+        <p:spPr>
+          <a:xfrm>
+            <a:off x="94592" y="5923886"/>
+            <a:ext cx="3058511" cy="738664"/>
+          </a:xfrm>
+          <a:prstGeom prst="rect">
+            <a:avLst/>
+          </a:prstGeom>
+          <a:noFill/>
+        </p:spPr>
+        <p:txBody>
+          <a:bodyPr wrap="square" rtlCol="0">
+            <a:spAutoFit/>
+          </a:bodyPr>
+          <a:lstStyle/>
+          <a:p>
+            <a:r>
+              <a:rPr lang="en-US" sz="1400" b="1">
+                <a:solidFill>
+                  <a:srgbClr val="FF0000"/>
+                </a:solidFill>
+              </a:rPr>
+              <a:t>Rachet Shears</a:t>
+            </a:r>
+            <a:r>
+              <a:rPr lang="en-US" sz="1400"/>
+              <a:t> – multiplies your hands’ power by up to 5 times, so you can cut through thick branches</a:t>
+            </a:r>
+          </a:p>
+        </p:txBody>
+      </p:sp>
+      <p:pic>
+        <p:nvPicPr>
+          <p:cNvPr id="15" name="Picture 14">
+            <a:extLst>
+              <a:ext uri="{FF2B5EF4-FFF2-40B4-BE49-F238E27FC236}">
+                <a16:creationId xmlns:a16="http://schemas.microsoft.com/office/drawing/2014/main" id="{A2928CFC-7930-4A2A-C928-837B271DE9BF}"/>
+              </a:ext>
+            </a:extLst>
+          </p:cNvPr>
+          <p:cNvPicPr>
+            <a:picLocks noChangeAspect="1"/>
+          </p:cNvPicPr>
+          <p:nvPr/>
+        </p:nvPicPr>
+        <p:blipFill>
+          <a:blip r:embed="rId8" cstate="email">
+            <a:extLst>
+              <a:ext uri="{28A0092B-C50C-407E-A947-70E740481C1C}">
+                <a14:useLocalDpi xmlns:a14="http://schemas.microsoft.com/office/drawing/2010/main"/>
+              </a:ext>
+            </a:extLst>
+          </a:blip>
+          <a:stretch>
+            <a:fillRect/>
+          </a:stretch>
+        </p:blipFill>
+        <p:spPr>
+          <a:xfrm>
+            <a:off x="3224866" y="2707711"/>
+            <a:ext cx="1122513" cy="1094835"/>
+          </a:xfrm>
+          <a:prstGeom prst="rect">
+            <a:avLst/>
+          </a:prstGeom>
+        </p:spPr>
+      </p:pic>
+      <p:pic>
+        <p:nvPicPr>
+          <p:cNvPr id="16" name="Picture 15">
+            <a:extLst>
+              <a:ext uri="{FF2B5EF4-FFF2-40B4-BE49-F238E27FC236}">
+                <a16:creationId xmlns:a16="http://schemas.microsoft.com/office/drawing/2014/main" id="{93194AD9-7164-C6C0-9A90-D172AD34407B}"/>
+              </a:ext>
+            </a:extLst>
+          </p:cNvPr>
+          <p:cNvPicPr>
+            <a:picLocks noChangeAspect="1"/>
+          </p:cNvPicPr>
+          <p:nvPr/>
+        </p:nvPicPr>
+        <p:blipFill>
+          <a:blip r:embed="rId9" cstate="email">
+            <a:extLst>
+              <a:ext uri="{28A0092B-C50C-407E-A947-70E740481C1C}">
+                <a14:useLocalDpi xmlns:a14="http://schemas.microsoft.com/office/drawing/2010/main"/>
+              </a:ext>
+            </a:extLst>
+          </a:blip>
+          <a:stretch>
+            <a:fillRect/>
+          </a:stretch>
+        </p:blipFill>
+        <p:spPr>
+          <a:xfrm>
+            <a:off x="5092917" y="3492499"/>
+            <a:ext cx="735286" cy="1694355"/>
+          </a:xfrm>
+          <a:prstGeom prst="rect">
+            <a:avLst/>
+          </a:prstGeom>
+        </p:spPr>
+      </p:pic>
+      <p:pic>
+        <p:nvPicPr>
+          <p:cNvPr id="17" name="Picture 16">
+            <a:extLst>
+              <a:ext uri="{FF2B5EF4-FFF2-40B4-BE49-F238E27FC236}">
+                <a16:creationId xmlns:a16="http://schemas.microsoft.com/office/drawing/2014/main" id="{9F454B58-6C57-4A4E-1E95-7B7986C81B91}"/>
+              </a:ext>
+            </a:extLst>
+          </p:cNvPr>
+          <p:cNvPicPr>
+            <a:picLocks noChangeAspect="1"/>
+          </p:cNvPicPr>
+          <p:nvPr/>
+        </p:nvPicPr>
+        <p:blipFill>
+          <a:blip r:embed="rId10" cstate="email">
+            <a:extLst>
+              <a:ext uri="{28A0092B-C50C-407E-A947-70E740481C1C}">
+                <a14:useLocalDpi xmlns:a14="http://schemas.microsoft.com/office/drawing/2010/main"/>
+              </a:ext>
+            </a:extLst>
+          </a:blip>
+          <a:stretch>
+            <a:fillRect/>
+          </a:stretch>
+        </p:blipFill>
+        <p:spPr>
+          <a:xfrm>
+            <a:off x="3342289" y="1694963"/>
+            <a:ext cx="2048641" cy="659128"/>
+          </a:xfrm>
+          <a:prstGeom prst="rect">
+            <a:avLst/>
+          </a:prstGeom>
+        </p:spPr>
+      </p:pic>
+      <p:pic>
+        <p:nvPicPr>
+          <p:cNvPr id="1026" name="Picture 2" descr="Amazon.com: Mini Chainsaw Cordless 20V 2pcs Batteries, GOXAWEE 4 Inch  Electric Power Chain Saw, One-Hand Operated Portable Wood Saw for Farming  Tree Limbs, Garden Pruning, Bonsai Trunk, and Firewood : Patio, Lawn">
+            <a:extLst>
+              <a:ext uri="{FF2B5EF4-FFF2-40B4-BE49-F238E27FC236}">
+                <a16:creationId xmlns:a16="http://schemas.microsoft.com/office/drawing/2014/main" id="{957ACDA5-5BC4-707E-3FBC-539E65849906}"/>
+              </a:ext>
+            </a:extLst>
+          </p:cNvPr>
+          <p:cNvPicPr>
+            <a:picLocks noChangeAspect="1" noChangeArrowheads="1"/>
+          </p:cNvPicPr>
+          <p:nvPr/>
+        </p:nvPicPr>
+        <p:blipFill>
+          <a:blip r:embed="rId11" cstate="email">
+            <a:extLst>
+              <a:ext uri="{28A0092B-C50C-407E-A947-70E740481C1C}">
+                <a14:useLocalDpi xmlns:a14="http://schemas.microsoft.com/office/drawing/2010/main"/>
+              </a:ext>
+            </a:extLst>
+          </a:blip>
+          <a:srcRect/>
+          <a:stretch>
+            <a:fillRect/>
+          </a:stretch>
+        </p:blipFill>
+        <p:spPr bwMode="auto">
+          <a:xfrm>
+            <a:off x="6561075" y="2513587"/>
+            <a:ext cx="1489951" cy="1483085"/>
+          </a:xfrm>
+          <a:prstGeom prst="rect">
+            <a:avLst/>
+          </a:prstGeom>
+          <a:noFill/>
+          <a:extLst>
+            <a:ext uri="{909E8E84-426E-40DD-AFC4-6F175D3DCCD1}">
+              <a14:hiddenFill xmlns:a14="http://schemas.microsoft.com/office/drawing/2010/main">
+                <a:solidFill>
+                  <a:srgbClr val="FFFFFF"/>
+                </a:solidFill>
+              </a14:hiddenFill>
+            </a:ext>
+          </a:extLst>
+        </p:spPr>
+      </p:pic>
+      <p:sp>
+        <p:nvSpPr>
+          <p:cNvPr id="18" name="TextBox 17">
+            <a:extLst>
+              <a:ext uri="{FF2B5EF4-FFF2-40B4-BE49-F238E27FC236}">
+                <a16:creationId xmlns:a16="http://schemas.microsoft.com/office/drawing/2014/main" id="{2A53F5D1-3719-623D-5560-E4EBDC89682D}"/>
+              </a:ext>
+            </a:extLst>
+          </p:cNvPr>
+          <p:cNvSpPr txBox="1"/>
+          <p:nvPr/>
+        </p:nvSpPr>
+        <p:spPr>
+          <a:xfrm>
+            <a:off x="6676689" y="4097571"/>
+            <a:ext cx="1489951" cy="523220"/>
+          </a:xfrm>
+          <a:prstGeom prst="rect">
+            <a:avLst/>
+          </a:prstGeom>
+          <a:noFill/>
+        </p:spPr>
+        <p:txBody>
+          <a:bodyPr wrap="square" rtlCol="0">
+            <a:spAutoFit/>
+          </a:bodyPr>
+          <a:lstStyle/>
+          <a:p>
+            <a:pPr algn="ctr"/>
+            <a:r>
+              <a:rPr lang="en-US" sz="1400"/>
+              <a:t>Mini  Cordless Chainsaw Electric</a:t>
+            </a:r>
+          </a:p>
+        </p:txBody>
+      </p:sp>
+      <p:sp>
+        <p:nvSpPr>
+          <p:cNvPr id="19" name="TextBox 18">
+            <a:extLst>
+              <a:ext uri="{FF2B5EF4-FFF2-40B4-BE49-F238E27FC236}">
+                <a16:creationId xmlns:a16="http://schemas.microsoft.com/office/drawing/2014/main" id="{F15A71BA-B591-09D0-D686-C17C4D381DCE}"/>
+              </a:ext>
+            </a:extLst>
+          </p:cNvPr>
+          <p:cNvSpPr txBox="1"/>
+          <p:nvPr/>
+        </p:nvSpPr>
+        <p:spPr>
+          <a:xfrm>
+            <a:off x="6161307" y="1416696"/>
+            <a:ext cx="2048641" cy="523220"/>
+          </a:xfrm>
+          <a:prstGeom prst="rect">
+            <a:avLst/>
+          </a:prstGeom>
+          <a:noFill/>
+        </p:spPr>
+        <p:txBody>
+          <a:bodyPr wrap="square" rtlCol="0">
+            <a:spAutoFit/>
+          </a:bodyPr>
+          <a:lstStyle/>
+          <a:p>
+            <a:pPr algn="ctr"/>
+            <a:r>
+              <a:rPr lang="en-US" sz="1400"/>
+              <a:t>Famous FELCO Pruners:</a:t>
+            </a:r>
+          </a:p>
+          <a:p>
+            <a:pPr algn="ctr"/>
+            <a:r>
+              <a:rPr lang="en-US" sz="1400"/>
+              <a:t> F2, F6, F15</a:t>
+            </a:r>
+          </a:p>
+        </p:txBody>
+      </p:sp>
+      <p:pic>
+        <p:nvPicPr>
+          <p:cNvPr id="1028" name="Picture 4" descr="All About Felco Pruning Shears">
+            <a:extLst>
+              <a:ext uri="{FF2B5EF4-FFF2-40B4-BE49-F238E27FC236}">
+                <a16:creationId xmlns:a16="http://schemas.microsoft.com/office/drawing/2014/main" id="{2891211D-7D41-BD41-8792-C31D3CA4391E}"/>
+              </a:ext>
+            </a:extLst>
+          </p:cNvPr>
+          <p:cNvPicPr>
+            <a:picLocks noChangeAspect="1" noChangeArrowheads="1"/>
+          </p:cNvPicPr>
+          <p:nvPr/>
+        </p:nvPicPr>
+        <p:blipFill>
+          <a:blip r:embed="rId12" cstate="email">
+            <a:extLst>
+              <a:ext uri="{28A0092B-C50C-407E-A947-70E740481C1C}">
+                <a14:useLocalDpi xmlns:a14="http://schemas.microsoft.com/office/drawing/2010/main"/>
+              </a:ext>
+            </a:extLst>
+          </a:blip>
+          <a:srcRect/>
+          <a:stretch>
+            <a:fillRect/>
+          </a:stretch>
+        </p:blipFill>
+        <p:spPr bwMode="auto">
+          <a:xfrm>
+            <a:off x="5998399" y="65533"/>
+            <a:ext cx="2360335" cy="1335950"/>
+          </a:xfrm>
+          <a:prstGeom prst="rect">
+            <a:avLst/>
+          </a:prstGeom>
+          <a:noFill/>
+          <a:extLst>
+            <a:ext uri="{909E8E84-426E-40DD-AFC4-6F175D3DCCD1}">
+              <a14:hiddenFill xmlns:a14="http://schemas.microsoft.com/office/drawing/2010/main">
+                <a:solidFill>
+                  <a:srgbClr val="FFFFFF"/>
+                </a:solidFill>
+              </a14:hiddenFill>
+            </a:ext>
+          </a:extLst>
         </p:spPr>
       </p:pic>
     </p:spTree>
     <p:extLst>
       <p:ext uri="{BB962C8B-B14F-4D97-AF65-F5344CB8AC3E}">
-        <p14:creationId xmlns:p14="http://schemas.microsoft.com/office/powerpoint/2010/main" val="551549028"/>
+        <p14:creationId xmlns:p14="http://schemas.microsoft.com/office/powerpoint/2010/main" val="3120975842"/>
       </p:ext>
     </p:extLst>
   </p:cSld>
@@ -6510,7 +6366,7 @@
           <p:cNvPr id="2" name="TextBox 1">
             <a:extLst>
               <a:ext uri="{FF2B5EF4-FFF2-40B4-BE49-F238E27FC236}">
-                <a16:creationId xmlns:a16="http://schemas.microsoft.com/office/drawing/2014/main" id="{33BBBD31-44D6-C45A-41FD-117271D447EE}"/>
+                <a16:creationId xmlns:a16="http://schemas.microsoft.com/office/drawing/2014/main" id="{75CEB81B-E17A-1063-F078-D29B4D203B17}"/>
               </a:ext>
             </a:extLst>
           </p:cNvPr>
@@ -6519,8 +6375,8 @@
         </p:nvSpPr>
         <p:spPr>
           <a:xfrm>
-            <a:off x="0" y="0"/>
-            <a:ext cx="3142593" cy="523220"/>
+            <a:off x="1" y="38404"/>
+            <a:ext cx="1650124" cy="523220"/>
           </a:xfrm>
           <a:prstGeom prst="rect">
             <a:avLst/>
@@ -6535,53 +6391,18 @@
           <a:p>
             <a:r>
               <a:rPr lang="en-US" sz="2800" b="1"/>
-              <a:t>Best Hand Pruners</a:t>
-            </a:r>
-          </a:p>
-        </p:txBody>
-      </p:sp>
-      <p:pic>
-        <p:nvPicPr>
-          <p:cNvPr id="3" name="Picture 2">
-            <a:extLst>
-              <a:ext uri="{FF2B5EF4-FFF2-40B4-BE49-F238E27FC236}">
-                <a16:creationId xmlns:a16="http://schemas.microsoft.com/office/drawing/2014/main" id="{146A502D-97A2-A5A2-8F84-6050DF682171}"/>
-              </a:ext>
-            </a:extLst>
-          </p:cNvPr>
-          <p:cNvPicPr>
-            <a:picLocks noChangeAspect="1"/>
-          </p:cNvPicPr>
-          <p:nvPr/>
-        </p:nvPicPr>
-        <p:blipFill>
-          <a:blip r:embed="rId3" cstate="email">
-            <a:extLst>
-              <a:ext uri="{28A0092B-C50C-407E-A947-70E740481C1C}">
-                <a14:useLocalDpi xmlns:a14="http://schemas.microsoft.com/office/drawing/2010/main"/>
-              </a:ext>
-            </a:extLst>
-          </a:blip>
-          <a:stretch>
-            <a:fillRect/>
-          </a:stretch>
-        </p:blipFill>
-        <p:spPr>
-          <a:xfrm>
-            <a:off x="318156" y="1161831"/>
-            <a:ext cx="3486589" cy="1159030"/>
-          </a:xfrm>
-          <a:prstGeom prst="rect">
-            <a:avLst/>
-          </a:prstGeom>
-        </p:spPr>
-      </p:pic>
-      <p:sp>
-        <p:nvSpPr>
-          <p:cNvPr id="4" name="TextBox 3">
-            <a:extLst>
-              <a:ext uri="{FF2B5EF4-FFF2-40B4-BE49-F238E27FC236}">
-                <a16:creationId xmlns:a16="http://schemas.microsoft.com/office/drawing/2014/main" id="{15E3D4AA-6CA2-3C9D-E589-9F7406DE28D6}"/>
+              <a:t>Loopers</a:t>
+            </a:r>
+            <a:endParaRPr lang="en-US" sz="1200" b="1"/>
+          </a:p>
+        </p:txBody>
+      </p:sp>
+      <p:sp>
+        <p:nvSpPr>
+          <p:cNvPr id="3" name="TextBox 2">
+            <a:extLst>
+              <a:ext uri="{FF2B5EF4-FFF2-40B4-BE49-F238E27FC236}">
+                <a16:creationId xmlns:a16="http://schemas.microsoft.com/office/drawing/2014/main" id="{C19FBB0F-87C9-0B52-62F3-0E034AFE7E52}"/>
               </a:ext>
             </a:extLst>
           </p:cNvPr>
@@ -6590,8 +6411,8 @@
         </p:nvSpPr>
         <p:spPr>
           <a:xfrm>
-            <a:off x="247432" y="2580334"/>
-            <a:ext cx="4660900" cy="738664"/>
+            <a:off x="388883" y="1051035"/>
+            <a:ext cx="5707117" cy="3970318"/>
           </a:xfrm>
           <a:prstGeom prst="rect">
             <a:avLst/>
@@ -6605,8 +6426,93 @@
           <a:lstStyle/>
           <a:p>
             <a:r>
-              <a:rPr lang="en-US" sz="1400"/>
-              <a:t>LÖWE 8.107 Anvil ergonomic pruner with curved blade</a:t>
+              <a:rPr lang="en-US" sz="1400" b="0" i="0">
+                <a:solidFill>
+                  <a:srgbClr val="0F1111"/>
+                </a:solidFill>
+                <a:effectLst/>
+              </a:rPr>
+              <a:t>Fiskars Ratchet Drive Anvil Lopper 27"</a:t>
+            </a:r>
+          </a:p>
+          <a:p>
+            <a:r>
+              <a:rPr lang="en-US" sz="1400"/>
+              <a:t> .. </a:t>
+            </a:r>
+            <a:r>
+              <a:rPr lang="en-US" sz="1400">
+                <a:hlinkClick r:id="rId2"/>
+              </a:rPr>
+              <a:t>https://www.amazon.com/gp/product/B003BC79KS/</a:t>
+            </a:r>
+            <a:endParaRPr lang="en-US" sz="1400"/>
+          </a:p>
+          <a:p>
+            <a:endParaRPr lang="en-US" sz="1400"/>
+          </a:p>
+          <a:p>
+            <a:endParaRPr lang="en-US" sz="1400"/>
+          </a:p>
+          <a:p>
+            <a:endParaRPr lang="en-US" sz="1400"/>
+          </a:p>
+          <a:p>
+            <a:endParaRPr lang="en-US" sz="1400"/>
+          </a:p>
+          <a:p>
+            <a:endParaRPr lang="en-US" sz="1400"/>
+          </a:p>
+          <a:p>
+            <a:endParaRPr lang="en-US" sz="1400"/>
+          </a:p>
+          <a:p>
+            <a:r>
+              <a:rPr lang="en-US" sz="1400" b="0" i="0">
+                <a:solidFill>
+                  <a:srgbClr val="0F1111"/>
+                </a:solidFill>
+                <a:effectLst/>
+              </a:rPr>
+              <a:t>TABOR TOOLS GG12A Anvil Lopper 30"</a:t>
+            </a:r>
+            <a:endParaRPr lang="en-US" sz="1400"/>
+          </a:p>
+          <a:p>
+            <a:r>
+              <a:rPr lang="en-US" sz="1400"/>
+              <a:t>.. </a:t>
+            </a:r>
+            <a:r>
+              <a:rPr lang="en-US" sz="1400">
+                <a:hlinkClick r:id="rId3"/>
+              </a:rPr>
+              <a:t>https://www.amazon.com/dp/B01E5NQ2U4/</a:t>
+            </a:r>
+            <a:endParaRPr lang="en-US" sz="1400"/>
+          </a:p>
+          <a:p>
+            <a:endParaRPr lang="en-US" sz="1400"/>
+          </a:p>
+          <a:p>
+            <a:endParaRPr lang="en-US" sz="1400"/>
+          </a:p>
+          <a:p>
+            <a:endParaRPr lang="en-US" sz="1400"/>
+          </a:p>
+          <a:p>
+            <a:endParaRPr lang="en-US" sz="1400"/>
+          </a:p>
+          <a:p>
+            <a:endParaRPr lang="en-US" sz="1400"/>
+          </a:p>
+          <a:p>
+            <a:endParaRPr lang="en-US" sz="1400"/>
+          </a:p>
+          <a:p>
+            <a:r>
+              <a:rPr lang="en-US" sz="1400"/>
+              <a:t>Fiskars-32-Inch-PowerGear-Bypass-Lopper  32"</a:t>
             </a:r>
           </a:p>
           <a:p>
@@ -6618,27 +6524,18 @@
               <a:rPr lang="en-US" sz="1400">
                 <a:hlinkClick r:id="rId4"/>
               </a:rPr>
-              <a:t>https://farmerdresupply.com/products/anvil-hand-pruner</a:t>
-            </a:r>
-            <a:r>
-              <a:rPr lang="en-US" sz="1400"/>
-              <a:t> </a:t>
-            </a:r>
-          </a:p>
-          <a:p>
-            <a:r>
-              <a:rPr lang="en-US" sz="1400"/>
-              <a:t>$84.99</a:t>
-            </a:r>
+              <a:t>https://www.amazon.com/dp/B00004SD74/</a:t>
+            </a:r>
+            <a:endParaRPr lang="en-US" sz="1400"/>
           </a:p>
         </p:txBody>
       </p:sp>
       <p:pic>
         <p:nvPicPr>
-          <p:cNvPr id="5" name="Picture 4">
-            <a:extLst>
-              <a:ext uri="{FF2B5EF4-FFF2-40B4-BE49-F238E27FC236}">
-                <a16:creationId xmlns:a16="http://schemas.microsoft.com/office/drawing/2014/main" id="{98492E9C-E573-7299-4BB0-BA76D337BD24}"/>
+          <p:cNvPr id="4" name="Picture 3">
+            <a:extLst>
+              <a:ext uri="{FF2B5EF4-FFF2-40B4-BE49-F238E27FC236}">
+                <a16:creationId xmlns:a16="http://schemas.microsoft.com/office/drawing/2014/main" id="{52D2F00F-8F9D-6904-9C83-283053737EFA}"/>
               </a:ext>
             </a:extLst>
           </p:cNvPr>
@@ -6661,96 +6558,90 @@
         </p:blipFill>
         <p:spPr>
           <a:xfrm>
-            <a:off x="6574220" y="261610"/>
-            <a:ext cx="5181600" cy="1993900"/>
+            <a:off x="4783061" y="4683655"/>
+            <a:ext cx="3127050" cy="1075546"/>
           </a:xfrm>
           <a:prstGeom prst="rect">
             <a:avLst/>
           </a:prstGeom>
         </p:spPr>
       </p:pic>
-      <p:sp>
-        <p:nvSpPr>
-          <p:cNvPr id="6" name="TextBox 5">
-            <a:extLst>
-              <a:ext uri="{FF2B5EF4-FFF2-40B4-BE49-F238E27FC236}">
-                <a16:creationId xmlns:a16="http://schemas.microsoft.com/office/drawing/2014/main" id="{34B6B07F-4796-ACA0-809E-E0FFDB829E42}"/>
-              </a:ext>
-            </a:extLst>
-          </p:cNvPr>
-          <p:cNvSpPr txBox="1"/>
+      <p:pic>
+        <p:nvPicPr>
+          <p:cNvPr id="6" name="Picture 5">
+            <a:extLst>
+              <a:ext uri="{FF2B5EF4-FFF2-40B4-BE49-F238E27FC236}">
+                <a16:creationId xmlns:a16="http://schemas.microsoft.com/office/drawing/2014/main" id="{B5AC0A67-1405-B518-4602-38152656552E}"/>
+              </a:ext>
+            </a:extLst>
+          </p:cNvPr>
+          <p:cNvPicPr>
+            <a:picLocks noChangeAspect="1"/>
+          </p:cNvPicPr>
           <p:nvPr/>
-        </p:nvSpPr>
-        <p:spPr>
-          <a:xfrm>
-            <a:off x="6963103" y="2327630"/>
-            <a:ext cx="4403834" cy="1600438"/>
-          </a:xfrm>
-          <a:prstGeom prst="rect">
-            <a:avLst/>
-          </a:prstGeom>
-          <a:noFill/>
-        </p:spPr>
-        <p:txBody>
-          <a:bodyPr wrap="square" rtlCol="0">
-            <a:spAutoFit/>
-          </a:bodyPr>
-          <a:lstStyle/>
-          <a:p>
-            <a:r>
-              <a:rPr lang="en-US" sz="1400"/>
-              <a:t>LÖWE 22.050 - 20"</a:t>
-            </a:r>
-          </a:p>
-          <a:p>
-            <a:r>
-              <a:rPr lang="en-US" sz="1400"/>
-              <a:t>LÖWE 22.080 - 32"</a:t>
-            </a:r>
-          </a:p>
-          <a:p>
-            <a:r>
-              <a:rPr lang="en-US" sz="1400"/>
-              <a:t>.. Very easy cuttings</a:t>
-            </a:r>
-          </a:p>
-          <a:p>
-            <a:r>
-              <a:rPr lang="en-US" sz="1400"/>
-              <a:t>.. Very robust and ideal for harder woods</a:t>
-            </a:r>
-          </a:p>
-          <a:p>
-            <a:r>
-              <a:rPr lang="en-US" sz="1400"/>
-              <a:t>.. Low-cost maintenance</a:t>
-            </a:r>
-          </a:p>
-          <a:p>
-            <a:r>
-              <a:rPr lang="en-US" sz="1400"/>
-              <a:t>.. </a:t>
-            </a:r>
-            <a:r>
-              <a:rPr lang="en-US" sz="1400">
-                <a:hlinkClick r:id="rId6"/>
-              </a:rPr>
-              <a:t>https://farmerdresupply.com/products/anvil-loppers</a:t>
-            </a:r>
-            <a:endParaRPr lang="en-US" sz="1400"/>
-          </a:p>
-          <a:p>
-            <a:r>
-              <a:rPr lang="en-US" sz="1400"/>
-              <a:t>$141.37</a:t>
-            </a:r>
-          </a:p>
-        </p:txBody>
-      </p:sp>
+        </p:nvPicPr>
+        <p:blipFill>
+          <a:blip r:embed="rId6" cstate="email">
+            <a:extLst>
+              <a:ext uri="{28A0092B-C50C-407E-A947-70E740481C1C}">
+                <a14:useLocalDpi xmlns:a14="http://schemas.microsoft.com/office/drawing/2010/main"/>
+              </a:ext>
+            </a:extLst>
+          </a:blip>
+          <a:stretch>
+            <a:fillRect/>
+          </a:stretch>
+        </p:blipFill>
+        <p:spPr>
+          <a:xfrm>
+            <a:off x="4778323" y="1043069"/>
+            <a:ext cx="2591962" cy="766237"/>
+          </a:xfrm>
+          <a:prstGeom prst="rect">
+            <a:avLst/>
+          </a:prstGeom>
+        </p:spPr>
+      </p:pic>
+      <p:pic>
+        <p:nvPicPr>
+          <p:cNvPr id="7" name="Picture 6">
+            <a:extLst>
+              <a:ext uri="{FF2B5EF4-FFF2-40B4-BE49-F238E27FC236}">
+                <a16:creationId xmlns:a16="http://schemas.microsoft.com/office/drawing/2014/main" id="{60EDA855-250F-251D-D751-F73C61AAC4DD}"/>
+              </a:ext>
+            </a:extLst>
+          </p:cNvPr>
+          <p:cNvPicPr>
+            <a:picLocks noChangeAspect="1"/>
+          </p:cNvPicPr>
+          <p:nvPr/>
+        </p:nvPicPr>
+        <p:blipFill>
+          <a:blip r:embed="rId7" cstate="email">
+            <a:extLst>
+              <a:ext uri="{28A0092B-C50C-407E-A947-70E740481C1C}">
+                <a14:useLocalDpi xmlns:a14="http://schemas.microsoft.com/office/drawing/2010/main"/>
+              </a:ext>
+            </a:extLst>
+          </a:blip>
+          <a:stretch>
+            <a:fillRect/>
+          </a:stretch>
+        </p:blipFill>
+        <p:spPr>
+          <a:xfrm>
+            <a:off x="4778322" y="2767630"/>
+            <a:ext cx="2971800" cy="1295400"/>
+          </a:xfrm>
+          <a:prstGeom prst="rect">
+            <a:avLst/>
+          </a:prstGeom>
+        </p:spPr>
+      </p:pic>
     </p:spTree>
     <p:extLst>
       <p:ext uri="{BB962C8B-B14F-4D97-AF65-F5344CB8AC3E}">
-        <p14:creationId xmlns:p14="http://schemas.microsoft.com/office/powerpoint/2010/main" val="1063428600"/>
+        <p14:creationId xmlns:p14="http://schemas.microsoft.com/office/powerpoint/2010/main" val="551549028"/>
       </p:ext>
     </p:extLst>
   </p:cSld>
@@ -6779,6 +6670,278 @@
       </p:grpSpPr>
       <p:sp>
         <p:nvSpPr>
+          <p:cNvPr id="2" name="TextBox 1">
+            <a:extLst>
+              <a:ext uri="{FF2B5EF4-FFF2-40B4-BE49-F238E27FC236}">
+                <a16:creationId xmlns:a16="http://schemas.microsoft.com/office/drawing/2014/main" id="{33BBBD31-44D6-C45A-41FD-117271D447EE}"/>
+              </a:ext>
+            </a:extLst>
+          </p:cNvPr>
+          <p:cNvSpPr txBox="1"/>
+          <p:nvPr/>
+        </p:nvSpPr>
+        <p:spPr>
+          <a:xfrm>
+            <a:off x="0" y="0"/>
+            <a:ext cx="3142593" cy="523220"/>
+          </a:xfrm>
+          <a:prstGeom prst="rect">
+            <a:avLst/>
+          </a:prstGeom>
+          <a:noFill/>
+        </p:spPr>
+        <p:txBody>
+          <a:bodyPr wrap="square" rtlCol="0">
+            <a:spAutoFit/>
+          </a:bodyPr>
+          <a:lstStyle/>
+          <a:p>
+            <a:r>
+              <a:rPr lang="en-US" sz="2800" b="1"/>
+              <a:t>Best Hand Pruners</a:t>
+            </a:r>
+          </a:p>
+        </p:txBody>
+      </p:sp>
+      <p:pic>
+        <p:nvPicPr>
+          <p:cNvPr id="3" name="Picture 2">
+            <a:extLst>
+              <a:ext uri="{FF2B5EF4-FFF2-40B4-BE49-F238E27FC236}">
+                <a16:creationId xmlns:a16="http://schemas.microsoft.com/office/drawing/2014/main" id="{146A502D-97A2-A5A2-8F84-6050DF682171}"/>
+              </a:ext>
+            </a:extLst>
+          </p:cNvPr>
+          <p:cNvPicPr>
+            <a:picLocks noChangeAspect="1"/>
+          </p:cNvPicPr>
+          <p:nvPr/>
+        </p:nvPicPr>
+        <p:blipFill>
+          <a:blip r:embed="rId3" cstate="email">
+            <a:extLst>
+              <a:ext uri="{28A0092B-C50C-407E-A947-70E740481C1C}">
+                <a14:useLocalDpi xmlns:a14="http://schemas.microsoft.com/office/drawing/2010/main"/>
+              </a:ext>
+            </a:extLst>
+          </a:blip>
+          <a:stretch>
+            <a:fillRect/>
+          </a:stretch>
+        </p:blipFill>
+        <p:spPr>
+          <a:xfrm>
+            <a:off x="318156" y="1161831"/>
+            <a:ext cx="3486589" cy="1159030"/>
+          </a:xfrm>
+          <a:prstGeom prst="rect">
+            <a:avLst/>
+          </a:prstGeom>
+        </p:spPr>
+      </p:pic>
+      <p:sp>
+        <p:nvSpPr>
+          <p:cNvPr id="4" name="TextBox 3">
+            <a:extLst>
+              <a:ext uri="{FF2B5EF4-FFF2-40B4-BE49-F238E27FC236}">
+                <a16:creationId xmlns:a16="http://schemas.microsoft.com/office/drawing/2014/main" id="{15E3D4AA-6CA2-3C9D-E589-9F7406DE28D6}"/>
+              </a:ext>
+            </a:extLst>
+          </p:cNvPr>
+          <p:cNvSpPr txBox="1"/>
+          <p:nvPr/>
+        </p:nvSpPr>
+        <p:spPr>
+          <a:xfrm>
+            <a:off x="247432" y="2580334"/>
+            <a:ext cx="4660900" cy="738664"/>
+          </a:xfrm>
+          <a:prstGeom prst="rect">
+            <a:avLst/>
+          </a:prstGeom>
+          <a:noFill/>
+        </p:spPr>
+        <p:txBody>
+          <a:bodyPr wrap="square" rtlCol="0">
+            <a:spAutoFit/>
+          </a:bodyPr>
+          <a:lstStyle/>
+          <a:p>
+            <a:r>
+              <a:rPr lang="en-US" sz="1400"/>
+              <a:t>LÖWE 8.107 Anvil ergonomic pruner with curved blade</a:t>
+            </a:r>
+          </a:p>
+          <a:p>
+            <a:r>
+              <a:rPr lang="en-US" sz="1400"/>
+              <a:t>.. </a:t>
+            </a:r>
+            <a:r>
+              <a:rPr lang="en-US" sz="1400">
+                <a:hlinkClick r:id="rId4"/>
+              </a:rPr>
+              <a:t>https://farmerdresupply.com/products/anvil-hand-pruner</a:t>
+            </a:r>
+            <a:r>
+              <a:rPr lang="en-US" sz="1400"/>
+              <a:t> </a:t>
+            </a:r>
+          </a:p>
+          <a:p>
+            <a:r>
+              <a:rPr lang="en-US" sz="1400"/>
+              <a:t>$84.99</a:t>
+            </a:r>
+          </a:p>
+        </p:txBody>
+      </p:sp>
+      <p:pic>
+        <p:nvPicPr>
+          <p:cNvPr id="5" name="Picture 4">
+            <a:extLst>
+              <a:ext uri="{FF2B5EF4-FFF2-40B4-BE49-F238E27FC236}">
+                <a16:creationId xmlns:a16="http://schemas.microsoft.com/office/drawing/2014/main" id="{98492E9C-E573-7299-4BB0-BA76D337BD24}"/>
+              </a:ext>
+            </a:extLst>
+          </p:cNvPr>
+          <p:cNvPicPr>
+            <a:picLocks noChangeAspect="1"/>
+          </p:cNvPicPr>
+          <p:nvPr/>
+        </p:nvPicPr>
+        <p:blipFill>
+          <a:blip r:embed="rId5" cstate="email">
+            <a:extLst>
+              <a:ext uri="{28A0092B-C50C-407E-A947-70E740481C1C}">
+                <a14:useLocalDpi xmlns:a14="http://schemas.microsoft.com/office/drawing/2010/main"/>
+              </a:ext>
+            </a:extLst>
+          </a:blip>
+          <a:stretch>
+            <a:fillRect/>
+          </a:stretch>
+        </p:blipFill>
+        <p:spPr>
+          <a:xfrm>
+            <a:off x="6574220" y="261610"/>
+            <a:ext cx="5181600" cy="1993900"/>
+          </a:xfrm>
+          <a:prstGeom prst="rect">
+            <a:avLst/>
+          </a:prstGeom>
+        </p:spPr>
+      </p:pic>
+      <p:sp>
+        <p:nvSpPr>
+          <p:cNvPr id="6" name="TextBox 5">
+            <a:extLst>
+              <a:ext uri="{FF2B5EF4-FFF2-40B4-BE49-F238E27FC236}">
+                <a16:creationId xmlns:a16="http://schemas.microsoft.com/office/drawing/2014/main" id="{34B6B07F-4796-ACA0-809E-E0FFDB829E42}"/>
+              </a:ext>
+            </a:extLst>
+          </p:cNvPr>
+          <p:cNvSpPr txBox="1"/>
+          <p:nvPr/>
+        </p:nvSpPr>
+        <p:spPr>
+          <a:xfrm>
+            <a:off x="6963103" y="2327630"/>
+            <a:ext cx="4403834" cy="1600438"/>
+          </a:xfrm>
+          <a:prstGeom prst="rect">
+            <a:avLst/>
+          </a:prstGeom>
+          <a:noFill/>
+        </p:spPr>
+        <p:txBody>
+          <a:bodyPr wrap="square" rtlCol="0">
+            <a:spAutoFit/>
+          </a:bodyPr>
+          <a:lstStyle/>
+          <a:p>
+            <a:r>
+              <a:rPr lang="en-US" sz="1400"/>
+              <a:t>LÖWE 22.050 - 20"</a:t>
+            </a:r>
+          </a:p>
+          <a:p>
+            <a:r>
+              <a:rPr lang="en-US" sz="1400"/>
+              <a:t>LÖWE 22.080 - 32"</a:t>
+            </a:r>
+          </a:p>
+          <a:p>
+            <a:r>
+              <a:rPr lang="en-US" sz="1400"/>
+              <a:t>.. Very easy cuttings</a:t>
+            </a:r>
+          </a:p>
+          <a:p>
+            <a:r>
+              <a:rPr lang="en-US" sz="1400"/>
+              <a:t>.. Very robust and ideal for harder woods</a:t>
+            </a:r>
+          </a:p>
+          <a:p>
+            <a:r>
+              <a:rPr lang="en-US" sz="1400"/>
+              <a:t>.. Low-cost maintenance</a:t>
+            </a:r>
+          </a:p>
+          <a:p>
+            <a:r>
+              <a:rPr lang="en-US" sz="1400"/>
+              <a:t>.. </a:t>
+            </a:r>
+            <a:r>
+              <a:rPr lang="en-US" sz="1400">
+                <a:hlinkClick r:id="rId6"/>
+              </a:rPr>
+              <a:t>https://farmerdresupply.com/products/anvil-loppers</a:t>
+            </a:r>
+            <a:endParaRPr lang="en-US" sz="1400"/>
+          </a:p>
+          <a:p>
+            <a:r>
+              <a:rPr lang="en-US" sz="1400"/>
+              <a:t>$141.37</a:t>
+            </a:r>
+          </a:p>
+        </p:txBody>
+      </p:sp>
+    </p:spTree>
+    <p:extLst>
+      <p:ext uri="{BB962C8B-B14F-4D97-AF65-F5344CB8AC3E}">
+        <p14:creationId xmlns:p14="http://schemas.microsoft.com/office/powerpoint/2010/main" val="1063428600"/>
+      </p:ext>
+    </p:extLst>
+  </p:cSld>
+  <p:clrMapOvr>
+    <a:masterClrMapping/>
+  </p:clrMapOvr>
+</p:sld>
+</file>
+
+<file path=ppt/slides/slide8.xml><?xml version="1.0" encoding="utf-8"?>
+<p:sld xmlns:a="http://schemas.openxmlformats.org/drawingml/2006/main" xmlns:r="http://schemas.openxmlformats.org/officeDocument/2006/relationships" xmlns:p="http://schemas.openxmlformats.org/presentationml/2006/main">
+  <p:cSld>
+    <p:spTree>
+      <p:nvGrpSpPr>
+        <p:cNvPr id="1" name=""/>
+        <p:cNvGrpSpPr/>
+        <p:nvPr/>
+      </p:nvGrpSpPr>
+      <p:grpSpPr>
+        <a:xfrm>
+          <a:off x="0" y="0"/>
+          <a:ext cx="0" cy="0"/>
+          <a:chOff x="0" y="0"/>
+          <a:chExt cx="0" cy="0"/>
+        </a:xfrm>
+      </p:grpSpPr>
+      <p:sp>
+        <p:nvSpPr>
           <p:cNvPr id="3" name="TextBox 2">
             <a:extLst>
               <a:ext uri="{FF2B5EF4-FFF2-40B4-BE49-F238E27FC236}">
@@ -7336,7 +7499,7 @@
 </p:sld>
 </file>
 
-<file path=ppt/slides/slide8.xml><?xml version="1.0" encoding="utf-8"?>
+<file path=ppt/slides/slide9.xml><?xml version="1.0" encoding="utf-8"?>
 <p:sld xmlns:a="http://schemas.openxmlformats.org/drawingml/2006/main" xmlns:r="http://schemas.openxmlformats.org/officeDocument/2006/relationships" xmlns:p="http://schemas.openxmlformats.org/presentationml/2006/main">
   <p:cSld>
     <p:spTree>

--- a/gardening.pptx
+++ b/gardening.pptx
@@ -204,7 +204,7 @@
           </a:lstStyle>
           <a:p>
             <a:fld id="{3724AA11-173D-CE45-9DFF-DDFFA3BF43A4}" type="datetimeFigureOut">
-              <a:t>9/15/24</a:t>
+              <a:t>10/23/24</a:t>
             </a:fld>
             <a:endParaRPr lang="en-US"/>
           </a:p>
@@ -699,7 +699,7 @@
           <a:lstStyle/>
           <a:p>
             <a:fld id="{5F491023-0B0A-7041-9F06-D25A50EF063B}" type="datetimeFigureOut">
-              <a:t>9/15/24</a:t>
+              <a:t>10/23/24</a:t>
             </a:fld>
             <a:endParaRPr lang="en-US"/>
           </a:p>
@@ -895,7 +895,7 @@
           <a:lstStyle/>
           <a:p>
             <a:fld id="{5F491023-0B0A-7041-9F06-D25A50EF063B}" type="datetimeFigureOut">
-              <a:t>9/15/24</a:t>
+              <a:t>10/23/24</a:t>
             </a:fld>
             <a:endParaRPr lang="en-US"/>
           </a:p>
@@ -1101,7 +1101,7 @@
           <a:lstStyle/>
           <a:p>
             <a:fld id="{5F491023-0B0A-7041-9F06-D25A50EF063B}" type="datetimeFigureOut">
-              <a:t>9/15/24</a:t>
+              <a:t>10/23/24</a:t>
             </a:fld>
             <a:endParaRPr lang="en-US"/>
           </a:p>
@@ -1297,7 +1297,7 @@
           <a:lstStyle/>
           <a:p>
             <a:fld id="{5F491023-0B0A-7041-9F06-D25A50EF063B}" type="datetimeFigureOut">
-              <a:t>9/15/24</a:t>
+              <a:t>10/23/24</a:t>
             </a:fld>
             <a:endParaRPr lang="en-US"/>
           </a:p>
@@ -1570,7 +1570,7 @@
           <a:lstStyle/>
           <a:p>
             <a:fld id="{5F491023-0B0A-7041-9F06-D25A50EF063B}" type="datetimeFigureOut">
-              <a:t>9/15/24</a:t>
+              <a:t>10/23/24</a:t>
             </a:fld>
             <a:endParaRPr lang="en-US"/>
           </a:p>
@@ -1833,7 +1833,7 @@
           <a:lstStyle/>
           <a:p>
             <a:fld id="{5F491023-0B0A-7041-9F06-D25A50EF063B}" type="datetimeFigureOut">
-              <a:t>9/15/24</a:t>
+              <a:t>10/23/24</a:t>
             </a:fld>
             <a:endParaRPr lang="en-US"/>
           </a:p>
@@ -2243,7 +2243,7 @@
           <a:lstStyle/>
           <a:p>
             <a:fld id="{5F491023-0B0A-7041-9F06-D25A50EF063B}" type="datetimeFigureOut">
-              <a:t>9/15/24</a:t>
+              <a:t>10/23/24</a:t>
             </a:fld>
             <a:endParaRPr lang="en-US"/>
           </a:p>
@@ -2382,7 +2382,7 @@
           <a:lstStyle/>
           <a:p>
             <a:fld id="{5F491023-0B0A-7041-9F06-D25A50EF063B}" type="datetimeFigureOut">
-              <a:t>9/15/24</a:t>
+              <a:t>10/23/24</a:t>
             </a:fld>
             <a:endParaRPr lang="en-US"/>
           </a:p>
@@ -2493,7 +2493,7 @@
           <a:lstStyle/>
           <a:p>
             <a:fld id="{5F491023-0B0A-7041-9F06-D25A50EF063B}" type="datetimeFigureOut">
-              <a:t>9/15/24</a:t>
+              <a:t>10/23/24</a:t>
             </a:fld>
             <a:endParaRPr lang="en-US"/>
           </a:p>
@@ -2802,7 +2802,7 @@
           <a:lstStyle/>
           <a:p>
             <a:fld id="{5F491023-0B0A-7041-9F06-D25A50EF063B}" type="datetimeFigureOut">
-              <a:t>9/15/24</a:t>
+              <a:t>10/23/24</a:t>
             </a:fld>
             <a:endParaRPr lang="en-US"/>
           </a:p>
@@ -3088,7 +3088,7 @@
           <a:lstStyle/>
           <a:p>
             <a:fld id="{5F491023-0B0A-7041-9F06-D25A50EF063B}" type="datetimeFigureOut">
-              <a:t>9/15/24</a:t>
+              <a:t>10/23/24</a:t>
             </a:fld>
             <a:endParaRPr lang="en-US"/>
           </a:p>
@@ -3327,7 +3327,7 @@
           </a:lstStyle>
           <a:p>
             <a:fld id="{5F491023-0B0A-7041-9F06-D25A50EF063B}" type="datetimeFigureOut">
-              <a:t>9/15/24</a:t>
+              <a:t>10/23/24</a:t>
             </a:fld>
             <a:endParaRPr lang="en-US"/>
           </a:p>
@@ -6977,10 +6977,10 @@
       </p:sp>
       <p:pic>
         <p:nvPicPr>
-          <p:cNvPr id="7" name="Picture 6">
-            <a:extLst>
-              <a:ext uri="{FF2B5EF4-FFF2-40B4-BE49-F238E27FC236}">
-                <a16:creationId xmlns:a16="http://schemas.microsoft.com/office/drawing/2014/main" id="{3CB0D447-5A26-DEBC-3385-912489DA943E}"/>
+          <p:cNvPr id="8" name="Picture 7">
+            <a:extLst>
+              <a:ext uri="{FF2B5EF4-FFF2-40B4-BE49-F238E27FC236}">
+                <a16:creationId xmlns:a16="http://schemas.microsoft.com/office/drawing/2014/main" id="{5D107655-B50C-008F-6D5A-36AE1ED2B001}"/>
               </a:ext>
             </a:extLst>
           </p:cNvPr>
@@ -7003,20 +7003,85 @@
         </p:blipFill>
         <p:spPr>
           <a:xfrm>
-            <a:off x="7801741" y="124168"/>
-            <a:ext cx="4106480" cy="2254738"/>
+            <a:off x="8563858" y="3599662"/>
+            <a:ext cx="3448701" cy="1893573"/>
           </a:xfrm>
           <a:prstGeom prst="rect">
             <a:avLst/>
           </a:prstGeom>
         </p:spPr>
       </p:pic>
+      <p:sp>
+        <p:nvSpPr>
+          <p:cNvPr id="10" name="TextBox 9">
+            <a:extLst>
+              <a:ext uri="{FF2B5EF4-FFF2-40B4-BE49-F238E27FC236}">
+                <a16:creationId xmlns:a16="http://schemas.microsoft.com/office/drawing/2014/main" id="{991CB593-5620-0E27-DD70-49AEE487E4C9}"/>
+              </a:ext>
+            </a:extLst>
+          </p:cNvPr>
+          <p:cNvSpPr txBox="1"/>
+          <p:nvPr/>
+        </p:nvSpPr>
+        <p:spPr>
+          <a:xfrm>
+            <a:off x="20458" y="545857"/>
+            <a:ext cx="3504796" cy="954107"/>
+          </a:xfrm>
+          <a:prstGeom prst="rect">
+            <a:avLst/>
+          </a:prstGeom>
+          <a:noFill/>
+        </p:spPr>
+        <p:txBody>
+          <a:bodyPr wrap="square" rtlCol="0">
+            <a:spAutoFit/>
+          </a:bodyPr>
+          <a:lstStyle/>
+          <a:p>
+            <a:r>
+              <a:rPr lang="en-US" sz="1400"/>
+              <a:t>Look for:</a:t>
+            </a:r>
+          </a:p>
+          <a:p>
+            <a:pPr marL="285750" indent="-285750">
+              <a:buFont typeface="Arial" panose="020B0604020202020204" pitchFamily="34" charset="0"/>
+              <a:buChar char="•"/>
+            </a:pPr>
+            <a:r>
+              <a:rPr lang="en-US" sz="1400"/>
+              <a:t>solid brass fittings (connectors) - 3/4 inch</a:t>
+            </a:r>
+          </a:p>
+          <a:p>
+            <a:pPr marL="285750" indent="-285750">
+              <a:buFont typeface="Arial" panose="020B0604020202020204" pitchFamily="34" charset="0"/>
+              <a:buChar char="•"/>
+            </a:pPr>
+            <a:r>
+              <a:rPr lang="en-US" sz="1400"/>
+              <a:t>heavy duty hose 75 ft</a:t>
+            </a:r>
+          </a:p>
+          <a:p>
+            <a:pPr marL="285750" indent="-285750">
+              <a:buFont typeface="Arial" panose="020B0604020202020204" pitchFamily="34" charset="0"/>
+              <a:buChar char="•"/>
+            </a:pPr>
+            <a:r>
+              <a:rPr lang="en-US" sz="1400"/>
+              <a:t>Shutoff valve</a:t>
+            </a:r>
+          </a:p>
+        </p:txBody>
+      </p:sp>
       <p:pic>
         <p:nvPicPr>
-          <p:cNvPr id="8" name="Picture 7">
-            <a:extLst>
-              <a:ext uri="{FF2B5EF4-FFF2-40B4-BE49-F238E27FC236}">
-                <a16:creationId xmlns:a16="http://schemas.microsoft.com/office/drawing/2014/main" id="{5D107655-B50C-008F-6D5A-36AE1ED2B001}"/>
+          <p:cNvPr id="11" name="Picture 10">
+            <a:extLst>
+              <a:ext uri="{FF2B5EF4-FFF2-40B4-BE49-F238E27FC236}">
+                <a16:creationId xmlns:a16="http://schemas.microsoft.com/office/drawing/2014/main" id="{CD9D11C7-5C6D-2C9D-B383-7631B0C72E59}"/>
               </a:ext>
             </a:extLst>
           </p:cNvPr>
@@ -7039,8 +7104,8 @@
         </p:blipFill>
         <p:spPr>
           <a:xfrm>
-            <a:off x="8563858" y="3599662"/>
-            <a:ext cx="3448701" cy="1893573"/>
+            <a:off x="283779" y="2956502"/>
+            <a:ext cx="2071771" cy="2401534"/>
           </a:xfrm>
           <a:prstGeom prst="rect">
             <a:avLst/>
@@ -7049,10 +7114,10 @@
       </p:pic>
       <p:sp>
         <p:nvSpPr>
-          <p:cNvPr id="10" name="TextBox 9">
-            <a:extLst>
-              <a:ext uri="{FF2B5EF4-FFF2-40B4-BE49-F238E27FC236}">
-                <a16:creationId xmlns:a16="http://schemas.microsoft.com/office/drawing/2014/main" id="{991CB593-5620-0E27-DD70-49AEE487E4C9}"/>
+          <p:cNvPr id="12" name="TextBox 11">
+            <a:extLst>
+              <a:ext uri="{FF2B5EF4-FFF2-40B4-BE49-F238E27FC236}">
+                <a16:creationId xmlns:a16="http://schemas.microsoft.com/office/drawing/2014/main" id="{D75CAAF4-2990-C13A-EF5B-DEE9ED7C01D9}"/>
               </a:ext>
             </a:extLst>
           </p:cNvPr>
@@ -7061,8 +7126,8 @@
         </p:nvSpPr>
         <p:spPr>
           <a:xfrm>
-            <a:off x="20458" y="545857"/>
-            <a:ext cx="3504796" cy="954107"/>
+            <a:off x="200733" y="5493235"/>
+            <a:ext cx="4223086" cy="954107"/>
           </a:xfrm>
           <a:prstGeom prst="rect">
             <a:avLst/>
@@ -7076,48 +7141,97 @@
           <a:lstStyle/>
           <a:p>
             <a:r>
-              <a:rPr lang="en-US" sz="1400"/>
-              <a:t>Look for:</a:t>
-            </a:r>
-          </a:p>
-          <a:p>
-            <a:pPr marL="285750" indent="-285750">
-              <a:buFont typeface="Arial" panose="020B0604020202020204" pitchFamily="34" charset="0"/>
-              <a:buChar char="•"/>
-            </a:pPr>
-            <a:r>
-              <a:rPr lang="en-US" sz="1400"/>
-              <a:t>solid brass fittings (connectors) - 3/4 inch</a:t>
-            </a:r>
-          </a:p>
-          <a:p>
-            <a:pPr marL="285750" indent="-285750">
-              <a:buFont typeface="Arial" panose="020B0604020202020204" pitchFamily="34" charset="0"/>
-              <a:buChar char="•"/>
-            </a:pPr>
-            <a:r>
-              <a:rPr lang="en-US" sz="1400"/>
-              <a:t>heavy duty hose 75 ft</a:t>
-            </a:r>
-          </a:p>
-          <a:p>
-            <a:pPr marL="285750" indent="-285750">
-              <a:buFont typeface="Arial" panose="020B0604020202020204" pitchFamily="34" charset="0"/>
-              <a:buChar char="•"/>
-            </a:pPr>
-            <a:r>
-              <a:rPr lang="en-US" sz="1400"/>
-              <a:t>Shutoff valve</a:t>
-            </a:r>
+              <a:rPr lang="en-US" sz="1400" b="1">
+                <a:solidFill>
+                  <a:srgbClr val="FF0000"/>
+                </a:solidFill>
+              </a:rPr>
+              <a:t>Gorilla</a:t>
+            </a:r>
+            <a:r>
+              <a:rPr lang="en-US" sz="1400"/>
+              <a:t> 175 ft. Aluminum Zero Rust MObile Hose Reel</a:t>
+            </a:r>
+            <a:br>
+              <a:rPr lang="en-US" sz="1400"/>
+            </a:br>
+            <a:r>
+              <a:rPr lang="en-US" sz="1400"/>
+              <a:t>.. </a:t>
+            </a:r>
+            <a:r>
+              <a:rPr lang="en-US" sz="1400">
+                <a:hlinkClick r:id="rId4"/>
+              </a:rPr>
+              <a:t>https://www.homedepot.com/p/Gorilla-175-ft-Aluminum-Zero-Rust-Mobile-Hose-Reel-GRS-175H/314448093</a:t>
+            </a:r>
+            <a:endParaRPr lang="en-US" sz="1400"/>
+          </a:p>
+        </p:txBody>
+      </p:sp>
+      <p:sp>
+        <p:nvSpPr>
+          <p:cNvPr id="13" name="TextBox 12">
+            <a:extLst>
+              <a:ext uri="{FF2B5EF4-FFF2-40B4-BE49-F238E27FC236}">
+                <a16:creationId xmlns:a16="http://schemas.microsoft.com/office/drawing/2014/main" id="{3FD3493E-E433-78E4-94F1-FA12B9467C48}"/>
+              </a:ext>
+            </a:extLst>
+          </p:cNvPr>
+          <p:cNvSpPr txBox="1"/>
+          <p:nvPr/>
+        </p:nvSpPr>
+        <p:spPr>
+          <a:xfrm>
+            <a:off x="8860285" y="5508623"/>
+            <a:ext cx="3152274" cy="461665"/>
+          </a:xfrm>
+          <a:prstGeom prst="rect">
+            <a:avLst/>
+          </a:prstGeom>
+          <a:noFill/>
+        </p:spPr>
+        <p:txBody>
+          <a:bodyPr wrap="square" rtlCol="0">
+            <a:spAutoFit/>
+          </a:bodyPr>
+          <a:lstStyle/>
+          <a:p>
+            <a:r>
+              <a:rPr lang="en-US" sz="1200" b="1">
+                <a:solidFill>
+                  <a:srgbClr val="FF0000"/>
+                </a:solidFill>
+              </a:rPr>
+              <a:t>J&amp;B XpandaHose</a:t>
+            </a:r>
+            <a:r>
+              <a:rPr lang="en-US" sz="1200"/>
+              <a:t> (expandable)</a:t>
+            </a:r>
+            <a:br>
+              <a:rPr lang="en-US" sz="1200"/>
+            </a:br>
+            <a:r>
+              <a:rPr lang="en-US" sz="1200"/>
+              <a:t>.. </a:t>
+            </a:r>
+            <a:r>
+              <a:rPr lang="en-US" sz="1200">
+                <a:hlinkClick r:id="rId5"/>
+              </a:rPr>
+              <a:t>https://www.amazon.com/dp/B01MY4NI2D</a:t>
+            </a:r>
+            <a:endParaRPr lang="en-US" sz="1200"/>
           </a:p>
         </p:txBody>
       </p:sp>
       <p:pic>
         <p:nvPicPr>
-          <p:cNvPr id="11" name="Picture 10">
-            <a:extLst>
-              <a:ext uri="{FF2B5EF4-FFF2-40B4-BE49-F238E27FC236}">
-                <a16:creationId xmlns:a16="http://schemas.microsoft.com/office/drawing/2014/main" id="{CD9D11C7-5C6D-2C9D-B383-7631B0C72E59}"/>
+          <p:cNvPr id="17" name="Picture 16">
+            <a:extLst>
+              <a:ext uri="{FF2B5EF4-FFF2-40B4-BE49-F238E27FC236}">
+                <a16:creationId xmlns:a16="http://schemas.microsoft.com/office/drawing/2014/main" id="{CD65CEED-3017-F3C1-95A2-734601C8BF52}"/>
               </a:ext>
             </a:extLst>
           </p:cNvPr>
@@ -7127,7 +7241,7 @@
           <p:nvPr/>
         </p:nvPicPr>
         <p:blipFill>
-          <a:blip r:embed="rId4" cstate="email">
+          <a:blip r:embed="rId6" cstate="email">
             <a:extLst>
               <a:ext uri="{28A0092B-C50C-407E-A947-70E740481C1C}">
                 <a14:useLocalDpi xmlns:a14="http://schemas.microsoft.com/office/drawing/2010/main"/>
@@ -7140,8 +7254,8 @@
         </p:blipFill>
         <p:spPr>
           <a:xfrm>
-            <a:off x="283779" y="2956502"/>
-            <a:ext cx="2071771" cy="2401534"/>
+            <a:off x="2920879" y="1673336"/>
+            <a:ext cx="4423817" cy="2099650"/>
           </a:xfrm>
           <a:prstGeom prst="rect">
             <a:avLst/>
@@ -7150,10 +7264,10 @@
       </p:pic>
       <p:sp>
         <p:nvSpPr>
-          <p:cNvPr id="12" name="TextBox 11">
-            <a:extLst>
-              <a:ext uri="{FF2B5EF4-FFF2-40B4-BE49-F238E27FC236}">
-                <a16:creationId xmlns:a16="http://schemas.microsoft.com/office/drawing/2014/main" id="{D75CAAF4-2990-C13A-EF5B-DEE9ED7C01D9}"/>
+          <p:cNvPr id="18" name="TextBox 17">
+            <a:extLst>
+              <a:ext uri="{FF2B5EF4-FFF2-40B4-BE49-F238E27FC236}">
+                <a16:creationId xmlns:a16="http://schemas.microsoft.com/office/drawing/2014/main" id="{C66D6084-D7B8-65F2-8A43-32E6F3732E0A}"/>
               </a:ext>
             </a:extLst>
           </p:cNvPr>
@@ -7162,8 +7276,8 @@
         </p:nvSpPr>
         <p:spPr>
           <a:xfrm>
-            <a:off x="200733" y="5493235"/>
-            <a:ext cx="4223086" cy="954107"/>
+            <a:off x="3164305" y="3946358"/>
+            <a:ext cx="3936966" cy="523220"/>
           </a:xfrm>
           <a:prstGeom prst="rect">
             <a:avLst/>
@@ -7182,11 +7296,11 @@
                   <a:srgbClr val="FF0000"/>
                 </a:solidFill>
               </a:rPr>
-              <a:t>Gorilla</a:t>
-            </a:r>
-            <a:r>
-              <a:rPr lang="en-US" sz="1400"/>
-              <a:t> 175 ft. Aluminum Zero Rust MObile Hose Reel</a:t>
+              <a:t>SprayTec</a:t>
+            </a:r>
+            <a:r>
+              <a:rPr lang="en-US" sz="1400"/>
+              <a:t> Garden Hose Nozzle Sprayer</a:t>
             </a:r>
             <a:br>
               <a:rPr lang="en-US" sz="1400"/>
@@ -7197,130 +7311,20 @@
             </a:r>
             <a:r>
               <a:rPr lang="en-US" sz="1400">
-                <a:hlinkClick r:id="rId5"/>
-              </a:rPr>
-              <a:t>https://www.homedepot.com/p/Gorilla-175-ft-Aluminum-Zero-Rust-Mobile-Hose-Reel-GRS-175H/314448093</a:t>
-            </a:r>
-            <a:endParaRPr lang="en-US" sz="1400"/>
-          </a:p>
-        </p:txBody>
-      </p:sp>
-      <p:sp>
-        <p:nvSpPr>
-          <p:cNvPr id="13" name="TextBox 12">
-            <a:extLst>
-              <a:ext uri="{FF2B5EF4-FFF2-40B4-BE49-F238E27FC236}">
-                <a16:creationId xmlns:a16="http://schemas.microsoft.com/office/drawing/2014/main" id="{3FD3493E-E433-78E4-94F1-FA12B9467C48}"/>
-              </a:ext>
-            </a:extLst>
-          </p:cNvPr>
-          <p:cNvSpPr txBox="1"/>
-          <p:nvPr/>
-        </p:nvSpPr>
-        <p:spPr>
-          <a:xfrm>
-            <a:off x="8860285" y="5508623"/>
-            <a:ext cx="3152274" cy="461665"/>
-          </a:xfrm>
-          <a:prstGeom prst="rect">
-            <a:avLst/>
-          </a:prstGeom>
-          <a:noFill/>
-        </p:spPr>
-        <p:txBody>
-          <a:bodyPr wrap="square" rtlCol="0">
-            <a:spAutoFit/>
-          </a:bodyPr>
-          <a:lstStyle/>
-          <a:p>
-            <a:r>
-              <a:rPr lang="en-US" sz="1200" b="1">
-                <a:solidFill>
-                  <a:srgbClr val="FF0000"/>
-                </a:solidFill>
-              </a:rPr>
-              <a:t>J&amp;B XpandaHose</a:t>
-            </a:r>
-            <a:r>
-              <a:rPr lang="en-US" sz="1200"/>
-              <a:t> (expandable)</a:t>
-            </a:r>
-            <a:br>
-              <a:rPr lang="en-US" sz="1200"/>
-            </a:br>
-            <a:r>
-              <a:rPr lang="en-US" sz="1200"/>
-              <a:t>.. </a:t>
-            </a:r>
-            <a:r>
-              <a:rPr lang="en-US" sz="1200">
-                <a:hlinkClick r:id="rId6"/>
-              </a:rPr>
-              <a:t>https://www.amazon.com/dp/B01MY4NI2D</a:t>
-            </a:r>
-            <a:endParaRPr lang="en-US" sz="1200"/>
-          </a:p>
-        </p:txBody>
-      </p:sp>
-      <p:sp>
-        <p:nvSpPr>
-          <p:cNvPr id="16" name="TextBox 15">
-            <a:extLst>
-              <a:ext uri="{FF2B5EF4-FFF2-40B4-BE49-F238E27FC236}">
-                <a16:creationId xmlns:a16="http://schemas.microsoft.com/office/drawing/2014/main" id="{D6AD641A-D24E-5760-673E-B6FD9F1E829E}"/>
-              </a:ext>
-            </a:extLst>
-          </p:cNvPr>
-          <p:cNvSpPr txBox="1"/>
-          <p:nvPr/>
-        </p:nvSpPr>
-        <p:spPr>
-          <a:xfrm>
-            <a:off x="8398042" y="2423766"/>
-            <a:ext cx="3597442" cy="461665"/>
-          </a:xfrm>
-          <a:prstGeom prst="rect">
-            <a:avLst/>
-          </a:prstGeom>
-          <a:noFill/>
-        </p:spPr>
-        <p:txBody>
-          <a:bodyPr wrap="square" rtlCol="0">
-            <a:spAutoFit/>
-          </a:bodyPr>
-          <a:lstStyle/>
-          <a:p>
-            <a:r>
-              <a:rPr lang="en-US" sz="1200" b="1"/>
-              <a:t>TheFitLife</a:t>
-            </a:r>
-            <a:r>
-              <a:rPr lang="en-US" sz="1200"/>
-              <a:t> (expandable) </a:t>
-            </a:r>
-            <a:br>
-              <a:rPr lang="en-US" sz="1200"/>
-            </a:br>
-            <a:r>
-              <a:rPr lang="en-US" sz="1200"/>
-              <a:t>.. </a:t>
-            </a:r>
-            <a:r>
-              <a:rPr lang="en-US" sz="1200">
                 <a:hlinkClick r:id="rId7"/>
               </a:rPr>
-              <a:t>https://www.amazon.com/dp/B083PQFW62</a:t>
-            </a:r>
-            <a:endParaRPr lang="en-US" sz="1200"/>
+              <a:t>https://www.amazon.com/dp/B00YQ73WBW/</a:t>
+            </a:r>
+            <a:endParaRPr lang="en-US" sz="1400"/>
           </a:p>
         </p:txBody>
       </p:sp>
       <p:pic>
         <p:nvPicPr>
-          <p:cNvPr id="17" name="Picture 16">
-            <a:extLst>
-              <a:ext uri="{FF2B5EF4-FFF2-40B4-BE49-F238E27FC236}">
-                <a16:creationId xmlns:a16="http://schemas.microsoft.com/office/drawing/2014/main" id="{CD65CEED-3017-F3C1-95A2-734601C8BF52}"/>
+          <p:cNvPr id="2" name="Picture 1">
+            <a:extLst>
+              <a:ext uri="{FF2B5EF4-FFF2-40B4-BE49-F238E27FC236}">
+                <a16:creationId xmlns:a16="http://schemas.microsoft.com/office/drawing/2014/main" id="{8B927E81-CF54-8732-9D55-911E3D024372}"/>
               </a:ext>
             </a:extLst>
           </p:cNvPr>
@@ -7343,8 +7347,8 @@
         </p:blipFill>
         <p:spPr>
           <a:xfrm>
-            <a:off x="2920879" y="1673336"/>
-            <a:ext cx="4423817" cy="2099650"/>
+            <a:off x="5872623" y="4974703"/>
+            <a:ext cx="768744" cy="1037063"/>
           </a:xfrm>
           <a:prstGeom prst="rect">
             <a:avLst/>
@@ -7353,10 +7357,10 @@
       </p:pic>
       <p:sp>
         <p:nvSpPr>
-          <p:cNvPr id="18" name="TextBox 17">
-            <a:extLst>
-              <a:ext uri="{FF2B5EF4-FFF2-40B4-BE49-F238E27FC236}">
-                <a16:creationId xmlns:a16="http://schemas.microsoft.com/office/drawing/2014/main" id="{C66D6084-D7B8-65F2-8A43-32E6F3732E0A}"/>
+          <p:cNvPr id="4" name="TextBox 3">
+            <a:extLst>
+              <a:ext uri="{FF2B5EF4-FFF2-40B4-BE49-F238E27FC236}">
+                <a16:creationId xmlns:a16="http://schemas.microsoft.com/office/drawing/2014/main" id="{73E728F8-B775-D9AA-492B-E76430D1FE94}"/>
               </a:ext>
             </a:extLst>
           </p:cNvPr>
@@ -7365,8 +7369,8 @@
         </p:nvSpPr>
         <p:spPr>
           <a:xfrm>
-            <a:off x="3164305" y="3946358"/>
-            <a:ext cx="3936966" cy="523220"/>
+            <a:off x="5153197" y="6071208"/>
+            <a:ext cx="2625821" cy="523220"/>
           </a:xfrm>
           <a:prstGeom prst="rect">
             <a:avLst/>
@@ -7380,76 +7384,74 @@
           <a:lstStyle/>
           <a:p>
             <a:r>
-              <a:rPr lang="en-US" sz="1400" b="1">
-                <a:solidFill>
-                  <a:srgbClr val="FF0000"/>
-                </a:solidFill>
-              </a:rPr>
-              <a:t>SprayTec</a:t>
-            </a:r>
-            <a:r>
-              <a:rPr lang="en-US" sz="1400"/>
-              <a:t> Garden Hose Nozzle Sprayer</a:t>
+              <a:rPr lang="en-US" sz="1400" dirty="0" err="1"/>
+              <a:t>Melnor</a:t>
+            </a:r>
+            <a:r>
+              <a:rPr lang="en-US" sz="1400" dirty="0"/>
+              <a:t> Heavyweight Metal</a:t>
             </a:r>
             <a:br>
-              <a:rPr lang="en-US" sz="1400"/>
+              <a:rPr lang="en-US" sz="1400" dirty="0"/>
             </a:br>
             <a:r>
-              <a:rPr lang="en-US" sz="1400"/>
-              <a:t>.. </a:t>
-            </a:r>
-            <a:r>
-              <a:rPr lang="en-US" sz="1400">
-                <a:hlinkClick r:id="rId9"/>
-              </a:rPr>
-              <a:t>https://www.amazon.com/dp/B00YQ73WBW/</a:t>
-            </a:r>
-            <a:endParaRPr lang="en-US" sz="1400"/>
+              <a:rPr lang="en-US" sz="1400" dirty="0"/>
+              <a:t>7-Pattern Nozzle (Walmart, $23)</a:t>
+            </a:r>
           </a:p>
         </p:txBody>
       </p:sp>
       <p:pic>
         <p:nvPicPr>
-          <p:cNvPr id="2" name="Picture 1">
-            <a:extLst>
-              <a:ext uri="{FF2B5EF4-FFF2-40B4-BE49-F238E27FC236}">
-                <a16:creationId xmlns:a16="http://schemas.microsoft.com/office/drawing/2014/main" id="{8B927E81-CF54-8732-9D55-911E3D024372}"/>
+          <p:cNvPr id="1026" name="Picture 2" descr="eley quick connectors">
+            <a:extLst>
+              <a:ext uri="{FF2B5EF4-FFF2-40B4-BE49-F238E27FC236}">
+                <a16:creationId xmlns:a16="http://schemas.microsoft.com/office/drawing/2014/main" id="{C6B04746-B7CF-671E-D47B-2A1D55099658}"/>
               </a:ext>
             </a:extLst>
           </p:cNvPr>
           <p:cNvPicPr>
-            <a:picLocks noChangeAspect="1"/>
+            <a:picLocks noChangeAspect="1" noChangeArrowheads="1"/>
           </p:cNvPicPr>
           <p:nvPr/>
         </p:nvPicPr>
-        <p:blipFill>
-          <a:blip r:embed="rId10" cstate="email">
+        <p:blipFill rotWithShape="1">
+          <a:blip r:embed="rId9" cstate="email">
             <a:extLst>
               <a:ext uri="{28A0092B-C50C-407E-A947-70E740481C1C}">
                 <a14:useLocalDpi xmlns:a14="http://schemas.microsoft.com/office/drawing/2010/main"/>
               </a:ext>
             </a:extLst>
           </a:blip>
-          <a:stretch>
-            <a:fillRect/>
-          </a:stretch>
+          <a:srcRect/>
+          <a:stretch/>
         </p:blipFill>
-        <p:spPr>
-          <a:xfrm>
-            <a:off x="5872623" y="4974703"/>
-            <a:ext cx="768744" cy="1037063"/>
-          </a:xfrm>
-          <a:prstGeom prst="rect">
-            <a:avLst/>
-          </a:prstGeom>
+        <p:spPr bwMode="auto">
+          <a:xfrm>
+            <a:off x="9279215" y="287248"/>
+            <a:ext cx="1597573" cy="1212716"/>
+          </a:xfrm>
+          <a:prstGeom prst="rect">
+            <a:avLst/>
+          </a:prstGeom>
+          <a:noFill/>
+          <a:extLst>
+            <a:ext uri="{909E8E84-426E-40DD-AFC4-6F175D3DCCD1}">
+              <a14:hiddenFill xmlns:a14="http://schemas.microsoft.com/office/drawing/2010/main">
+                <a:solidFill>
+                  <a:srgbClr val="FFFFFF"/>
+                </a:solidFill>
+              </a14:hiddenFill>
+            </a:ext>
+          </a:extLst>
         </p:spPr>
       </p:pic>
       <p:sp>
         <p:nvSpPr>
-          <p:cNvPr id="4" name="TextBox 3">
-            <a:extLst>
-              <a:ext uri="{FF2B5EF4-FFF2-40B4-BE49-F238E27FC236}">
-                <a16:creationId xmlns:a16="http://schemas.microsoft.com/office/drawing/2014/main" id="{73E728F8-B775-D9AA-492B-E76430D1FE94}"/>
+          <p:cNvPr id="5" name="TextBox 4">
+            <a:extLst>
+              <a:ext uri="{FF2B5EF4-FFF2-40B4-BE49-F238E27FC236}">
+                <a16:creationId xmlns:a16="http://schemas.microsoft.com/office/drawing/2014/main" id="{CE0363BF-01D0-ED20-9561-EF990D5B1F26}"/>
               </a:ext>
             </a:extLst>
           </p:cNvPr>
@@ -7458,8 +7460,8 @@
         </p:nvSpPr>
         <p:spPr>
           <a:xfrm>
-            <a:off x="5153197" y="6071208"/>
-            <a:ext cx="2625821" cy="523220"/>
+            <a:off x="8355724" y="1764983"/>
+            <a:ext cx="3656835" cy="769441"/>
           </a:xfrm>
           <a:prstGeom prst="rect">
             <a:avLst/>
@@ -7472,17 +7474,82 @@
           </a:bodyPr>
           <a:lstStyle/>
           <a:p>
-            <a:r>
-              <a:rPr lang="en-US" sz="1400"/>
-              <a:t>Melnor Heavyweight Metal</a:t>
-            </a:r>
-            <a:br>
-              <a:rPr lang="en-US" sz="1400"/>
-            </a:br>
-            <a:r>
-              <a:rPr lang="en-US" sz="1400"/>
-              <a:t>7-Pattern Nozzle (Walmart, $23)</a:t>
-            </a:r>
+            <a:pPr marL="285750" indent="-285750">
+              <a:buFont typeface="Arial" panose="020B0604020202020204" pitchFamily="34" charset="0"/>
+              <a:buChar char="•"/>
+            </a:pPr>
+            <a:r>
+              <a:rPr lang="en-US" sz="1400" dirty="0"/>
+              <a:t>Garden Hose Quick Connect Sets</a:t>
+            </a:r>
+          </a:p>
+          <a:p>
+            <a:pPr marL="285750" indent="-285750">
+              <a:buFont typeface="Arial" panose="020B0604020202020204" pitchFamily="34" charset="0"/>
+              <a:buChar char="•"/>
+            </a:pPr>
+            <a:r>
+              <a:rPr lang="en-US" sz="1000" dirty="0">
+                <a:hlinkClick r:id="rId10"/>
+              </a:rPr>
+              <a:t>https://</a:t>
+            </a:r>
+            <a:r>
+              <a:rPr lang="en-US" sz="1000" dirty="0" err="1">
+                <a:hlinkClick r:id="rId10"/>
+              </a:rPr>
+              <a:t>www.eleyhosereels.com</a:t>
+            </a:r>
+            <a:r>
+              <a:rPr lang="en-US" sz="1000" dirty="0">
+                <a:hlinkClick r:id="rId10"/>
+              </a:rPr>
+              <a:t>/products/garden-hose-quick-connectors</a:t>
+            </a:r>
+            <a:endParaRPr lang="en-US" sz="1000" dirty="0"/>
+          </a:p>
+          <a:p>
+            <a:pPr marL="285750" indent="-285750">
+              <a:buFont typeface="Arial" panose="020B0604020202020204" pitchFamily="34" charset="0"/>
+              <a:buChar char="•"/>
+            </a:pPr>
+            <a:r>
+              <a:rPr lang="en-US" sz="1000" dirty="0">
+                <a:hlinkClick r:id="rId11"/>
+              </a:rPr>
+              <a:t>https://</a:t>
+            </a:r>
+            <a:r>
+              <a:rPr lang="en-US" sz="1000" dirty="0" err="1">
+                <a:hlinkClick r:id="rId11"/>
+              </a:rPr>
+              <a:t>www.youtube.com</a:t>
+            </a:r>
+            <a:r>
+              <a:rPr lang="en-US" sz="1000" dirty="0">
+                <a:hlinkClick r:id="rId11"/>
+              </a:rPr>
+              <a:t>/</a:t>
+            </a:r>
+            <a:r>
+              <a:rPr lang="en-US" sz="1000" dirty="0" err="1">
+                <a:hlinkClick r:id="rId11"/>
+              </a:rPr>
+              <a:t>watch?v</a:t>
+            </a:r>
+            <a:r>
+              <a:rPr lang="en-US" sz="1000" dirty="0">
+                <a:hlinkClick r:id="rId11"/>
+              </a:rPr>
+              <a:t>=</a:t>
+            </a:r>
+            <a:r>
+              <a:rPr lang="en-US" sz="1000" dirty="0" err="1">
+                <a:hlinkClick r:id="rId11"/>
+              </a:rPr>
+              <a:t>SH_NteAUTuw</a:t>
+            </a:r>
+            <a:endParaRPr lang="en-US" sz="1000" dirty="0"/>
           </a:p>
         </p:txBody>
       </p:sp>

--- a/gardening.pptx
+++ b/gardening.pptx
@@ -204,7 +204,7 @@
           </a:lstStyle>
           <a:p>
             <a:fld id="{3724AA11-173D-CE45-9DFF-DDFFA3BF43A4}" type="datetimeFigureOut">
-              <a:t>10/23/24</a:t>
+              <a:t>11/13/24</a:t>
             </a:fld>
             <a:endParaRPr lang="en-US"/>
           </a:p>
@@ -699,7 +699,7 @@
           <a:lstStyle/>
           <a:p>
             <a:fld id="{5F491023-0B0A-7041-9F06-D25A50EF063B}" type="datetimeFigureOut">
-              <a:t>10/23/24</a:t>
+              <a:t>11/13/24</a:t>
             </a:fld>
             <a:endParaRPr lang="en-US"/>
           </a:p>
@@ -895,7 +895,7 @@
           <a:lstStyle/>
           <a:p>
             <a:fld id="{5F491023-0B0A-7041-9F06-D25A50EF063B}" type="datetimeFigureOut">
-              <a:t>10/23/24</a:t>
+              <a:t>11/13/24</a:t>
             </a:fld>
             <a:endParaRPr lang="en-US"/>
           </a:p>
@@ -1101,7 +1101,7 @@
           <a:lstStyle/>
           <a:p>
             <a:fld id="{5F491023-0B0A-7041-9F06-D25A50EF063B}" type="datetimeFigureOut">
-              <a:t>10/23/24</a:t>
+              <a:t>11/13/24</a:t>
             </a:fld>
             <a:endParaRPr lang="en-US"/>
           </a:p>
@@ -1297,7 +1297,7 @@
           <a:lstStyle/>
           <a:p>
             <a:fld id="{5F491023-0B0A-7041-9F06-D25A50EF063B}" type="datetimeFigureOut">
-              <a:t>10/23/24</a:t>
+              <a:t>11/13/24</a:t>
             </a:fld>
             <a:endParaRPr lang="en-US"/>
           </a:p>
@@ -1570,7 +1570,7 @@
           <a:lstStyle/>
           <a:p>
             <a:fld id="{5F491023-0B0A-7041-9F06-D25A50EF063B}" type="datetimeFigureOut">
-              <a:t>10/23/24</a:t>
+              <a:t>11/13/24</a:t>
             </a:fld>
             <a:endParaRPr lang="en-US"/>
           </a:p>
@@ -1833,7 +1833,7 @@
           <a:lstStyle/>
           <a:p>
             <a:fld id="{5F491023-0B0A-7041-9F06-D25A50EF063B}" type="datetimeFigureOut">
-              <a:t>10/23/24</a:t>
+              <a:t>11/13/24</a:t>
             </a:fld>
             <a:endParaRPr lang="en-US"/>
           </a:p>
@@ -2243,7 +2243,7 @@
           <a:lstStyle/>
           <a:p>
             <a:fld id="{5F491023-0B0A-7041-9F06-D25A50EF063B}" type="datetimeFigureOut">
-              <a:t>10/23/24</a:t>
+              <a:t>11/13/24</a:t>
             </a:fld>
             <a:endParaRPr lang="en-US"/>
           </a:p>
@@ -2382,7 +2382,7 @@
           <a:lstStyle/>
           <a:p>
             <a:fld id="{5F491023-0B0A-7041-9F06-D25A50EF063B}" type="datetimeFigureOut">
-              <a:t>10/23/24</a:t>
+              <a:t>11/13/24</a:t>
             </a:fld>
             <a:endParaRPr lang="en-US"/>
           </a:p>
@@ -2493,7 +2493,7 @@
           <a:lstStyle/>
           <a:p>
             <a:fld id="{5F491023-0B0A-7041-9F06-D25A50EF063B}" type="datetimeFigureOut">
-              <a:t>10/23/24</a:t>
+              <a:t>11/13/24</a:t>
             </a:fld>
             <a:endParaRPr lang="en-US"/>
           </a:p>
@@ -2802,7 +2802,7 @@
           <a:lstStyle/>
           <a:p>
             <a:fld id="{5F491023-0B0A-7041-9F06-D25A50EF063B}" type="datetimeFigureOut">
-              <a:t>10/23/24</a:t>
+              <a:t>11/13/24</a:t>
             </a:fld>
             <a:endParaRPr lang="en-US"/>
           </a:p>
@@ -3088,7 +3088,7 @@
           <a:lstStyle/>
           <a:p>
             <a:fld id="{5F491023-0B0A-7041-9F06-D25A50EF063B}" type="datetimeFigureOut">
-              <a:t>10/23/24</a:t>
+              <a:t>11/13/24</a:t>
             </a:fld>
             <a:endParaRPr lang="en-US"/>
           </a:p>
@@ -3327,7 +3327,7 @@
           </a:lstStyle>
           <a:p>
             <a:fld id="{5F491023-0B0A-7041-9F06-D25A50EF063B}" type="datetimeFigureOut">
-              <a:t>10/23/24</a:t>
+              <a:t>11/13/24</a:t>
             </a:fld>
             <a:endParaRPr lang="en-US"/>
           </a:p>
@@ -6768,29 +6768,29 @@
           <a:lstStyle/>
           <a:p>
             <a:r>
-              <a:rPr lang="en-US" sz="1400"/>
+              <a:rPr lang="en-US" sz="1400" dirty="0"/>
               <a:t>LÖWE 8.107 Anvil ergonomic pruner with curved blade</a:t>
             </a:r>
           </a:p>
           <a:p>
             <a:r>
-              <a:rPr lang="en-US" sz="1400"/>
+              <a:rPr lang="en-US" sz="1400" dirty="0"/>
               <a:t>.. </a:t>
             </a:r>
             <a:r>
-              <a:rPr lang="en-US" sz="1400">
+              <a:rPr lang="en-US" sz="1400" dirty="0">
                 <a:hlinkClick r:id="rId4"/>
               </a:rPr>
               <a:t>https://farmerdresupply.com/products/anvil-hand-pruner</a:t>
             </a:r>
             <a:r>
-              <a:rPr lang="en-US" sz="1400"/>
+              <a:rPr lang="en-US" sz="1400" dirty="0"/>
               <a:t> </a:t>
             </a:r>
           </a:p>
           <a:p>
             <a:r>
-              <a:rPr lang="en-US" sz="1400"/>
+              <a:rPr lang="en-US" sz="1400" dirty="0"/>
               <a:t>$84.99</a:t>
             </a:r>
           </a:p>

--- a/gardening.pptx
+++ b/gardening.pptx
@@ -204,7 +204,7 @@
           </a:lstStyle>
           <a:p>
             <a:fld id="{3724AA11-173D-CE45-9DFF-DDFFA3BF43A4}" type="datetimeFigureOut">
-              <a:t>11/13/24</a:t>
+              <a:t>9/12/25</a:t>
             </a:fld>
             <a:endParaRPr lang="en-US"/>
           </a:p>
@@ -699,7 +699,7 @@
           <a:lstStyle/>
           <a:p>
             <a:fld id="{5F491023-0B0A-7041-9F06-D25A50EF063B}" type="datetimeFigureOut">
-              <a:t>11/13/24</a:t>
+              <a:t>9/12/25</a:t>
             </a:fld>
             <a:endParaRPr lang="en-US"/>
           </a:p>
@@ -895,7 +895,7 @@
           <a:lstStyle/>
           <a:p>
             <a:fld id="{5F491023-0B0A-7041-9F06-D25A50EF063B}" type="datetimeFigureOut">
-              <a:t>11/13/24</a:t>
+              <a:t>9/12/25</a:t>
             </a:fld>
             <a:endParaRPr lang="en-US"/>
           </a:p>
@@ -1101,7 +1101,7 @@
           <a:lstStyle/>
           <a:p>
             <a:fld id="{5F491023-0B0A-7041-9F06-D25A50EF063B}" type="datetimeFigureOut">
-              <a:t>11/13/24</a:t>
+              <a:t>9/12/25</a:t>
             </a:fld>
             <a:endParaRPr lang="en-US"/>
           </a:p>
@@ -1297,7 +1297,7 @@
           <a:lstStyle/>
           <a:p>
             <a:fld id="{5F491023-0B0A-7041-9F06-D25A50EF063B}" type="datetimeFigureOut">
-              <a:t>11/13/24</a:t>
+              <a:t>9/12/25</a:t>
             </a:fld>
             <a:endParaRPr lang="en-US"/>
           </a:p>
@@ -1570,7 +1570,7 @@
           <a:lstStyle/>
           <a:p>
             <a:fld id="{5F491023-0B0A-7041-9F06-D25A50EF063B}" type="datetimeFigureOut">
-              <a:t>11/13/24</a:t>
+              <a:t>9/12/25</a:t>
             </a:fld>
             <a:endParaRPr lang="en-US"/>
           </a:p>
@@ -1833,7 +1833,7 @@
           <a:lstStyle/>
           <a:p>
             <a:fld id="{5F491023-0B0A-7041-9F06-D25A50EF063B}" type="datetimeFigureOut">
-              <a:t>11/13/24</a:t>
+              <a:t>9/12/25</a:t>
             </a:fld>
             <a:endParaRPr lang="en-US"/>
           </a:p>
@@ -2243,7 +2243,7 @@
           <a:lstStyle/>
           <a:p>
             <a:fld id="{5F491023-0B0A-7041-9F06-D25A50EF063B}" type="datetimeFigureOut">
-              <a:t>11/13/24</a:t>
+              <a:t>9/12/25</a:t>
             </a:fld>
             <a:endParaRPr lang="en-US"/>
           </a:p>
@@ -2382,7 +2382,7 @@
           <a:lstStyle/>
           <a:p>
             <a:fld id="{5F491023-0B0A-7041-9F06-D25A50EF063B}" type="datetimeFigureOut">
-              <a:t>11/13/24</a:t>
+              <a:t>9/12/25</a:t>
             </a:fld>
             <a:endParaRPr lang="en-US"/>
           </a:p>
@@ -2493,7 +2493,7 @@
           <a:lstStyle/>
           <a:p>
             <a:fld id="{5F491023-0B0A-7041-9F06-D25A50EF063B}" type="datetimeFigureOut">
-              <a:t>11/13/24</a:t>
+              <a:t>9/12/25</a:t>
             </a:fld>
             <a:endParaRPr lang="en-US"/>
           </a:p>
@@ -2802,7 +2802,7 @@
           <a:lstStyle/>
           <a:p>
             <a:fld id="{5F491023-0B0A-7041-9F06-D25A50EF063B}" type="datetimeFigureOut">
-              <a:t>11/13/24</a:t>
+              <a:t>9/12/25</a:t>
             </a:fld>
             <a:endParaRPr lang="en-US"/>
           </a:p>
@@ -3088,7 +3088,7 @@
           <a:lstStyle/>
           <a:p>
             <a:fld id="{5F491023-0B0A-7041-9F06-D25A50EF063B}" type="datetimeFigureOut">
-              <a:t>11/13/24</a:t>
+              <a:t>9/12/25</a:t>
             </a:fld>
             <a:endParaRPr lang="en-US"/>
           </a:p>
@@ -3327,7 +3327,7 @@
           </a:lstStyle>
           <a:p>
             <a:fld id="{5F491023-0B0A-7041-9F06-D25A50EF063B}" type="datetimeFigureOut">
-              <a:t>11/13/24</a:t>
+              <a:t>9/12/25</a:t>
             </a:fld>
             <a:endParaRPr lang="en-US"/>
           </a:p>
@@ -6975,12 +6975,77 @@
           </a:p>
         </p:txBody>
       </p:sp>
+      <p:sp>
+        <p:nvSpPr>
+          <p:cNvPr id="10" name="TextBox 9">
+            <a:extLst>
+              <a:ext uri="{FF2B5EF4-FFF2-40B4-BE49-F238E27FC236}">
+                <a16:creationId xmlns:a16="http://schemas.microsoft.com/office/drawing/2014/main" id="{991CB593-5620-0E27-DD70-49AEE487E4C9}"/>
+              </a:ext>
+            </a:extLst>
+          </p:cNvPr>
+          <p:cNvSpPr txBox="1"/>
+          <p:nvPr/>
+        </p:nvSpPr>
+        <p:spPr>
+          <a:xfrm>
+            <a:off x="20457" y="545857"/>
+            <a:ext cx="5552439" cy="954107"/>
+          </a:xfrm>
+          <a:prstGeom prst="rect">
+            <a:avLst/>
+          </a:prstGeom>
+          <a:noFill/>
+        </p:spPr>
+        <p:txBody>
+          <a:bodyPr wrap="square" rtlCol="0">
+            <a:spAutoFit/>
+          </a:bodyPr>
+          <a:lstStyle/>
+          <a:p>
+            <a:r>
+              <a:rPr lang="en-US" sz="1400" dirty="0"/>
+              <a:t>Look for:</a:t>
+            </a:r>
+          </a:p>
+          <a:p>
+            <a:pPr marL="285750" indent="-285750">
+              <a:buFont typeface="Arial" panose="020B0604020202020204" pitchFamily="34" charset="0"/>
+              <a:buChar char="•"/>
+            </a:pPr>
+            <a:r>
+              <a:rPr lang="en-US" sz="1400" dirty="0"/>
+              <a:t>solid brass fittings (connectors) - 3/4 inch GHT (Garden Hose Thread)</a:t>
+            </a:r>
+          </a:p>
+          <a:p>
+            <a:pPr marL="285750" indent="-285750">
+              <a:buFont typeface="Arial" panose="020B0604020202020204" pitchFamily="34" charset="0"/>
+              <a:buChar char="•"/>
+            </a:pPr>
+            <a:r>
+              <a:rPr lang="en-US" sz="1400" dirty="0"/>
+              <a:t>heavy duty hose 75 ft  (typical 5/8" internal diameter)</a:t>
+            </a:r>
+          </a:p>
+          <a:p>
+            <a:pPr marL="285750" indent="-285750">
+              <a:buFont typeface="Arial" panose="020B0604020202020204" pitchFamily="34" charset="0"/>
+              <a:buChar char="•"/>
+            </a:pPr>
+            <a:r>
+              <a:rPr lang="en-US" sz="1400" dirty="0"/>
+              <a:t>Shutoff valve</a:t>
+            </a:r>
+          </a:p>
+        </p:txBody>
+      </p:sp>
       <p:pic>
         <p:nvPicPr>
-          <p:cNvPr id="8" name="Picture 7">
-            <a:extLst>
-              <a:ext uri="{FF2B5EF4-FFF2-40B4-BE49-F238E27FC236}">
-                <a16:creationId xmlns:a16="http://schemas.microsoft.com/office/drawing/2014/main" id="{5D107655-B50C-008F-6D5A-36AE1ED2B001}"/>
+          <p:cNvPr id="11" name="Picture 10">
+            <a:extLst>
+              <a:ext uri="{FF2B5EF4-FFF2-40B4-BE49-F238E27FC236}">
+                <a16:creationId xmlns:a16="http://schemas.microsoft.com/office/drawing/2014/main" id="{CD9D11C7-5C6D-2C9D-B383-7631B0C72E59}"/>
               </a:ext>
             </a:extLst>
           </p:cNvPr>
@@ -7003,8 +7068,8 @@
         </p:blipFill>
         <p:spPr>
           <a:xfrm>
-            <a:off x="8563858" y="3599662"/>
-            <a:ext cx="3448701" cy="1893573"/>
+            <a:off x="283779" y="2956502"/>
+            <a:ext cx="2071771" cy="2401534"/>
           </a:xfrm>
           <a:prstGeom prst="rect">
             <a:avLst/>
@@ -7013,10 +7078,10 @@
       </p:pic>
       <p:sp>
         <p:nvSpPr>
-          <p:cNvPr id="10" name="TextBox 9">
-            <a:extLst>
-              <a:ext uri="{FF2B5EF4-FFF2-40B4-BE49-F238E27FC236}">
-                <a16:creationId xmlns:a16="http://schemas.microsoft.com/office/drawing/2014/main" id="{991CB593-5620-0E27-DD70-49AEE487E4C9}"/>
+          <p:cNvPr id="12" name="TextBox 11">
+            <a:extLst>
+              <a:ext uri="{FF2B5EF4-FFF2-40B4-BE49-F238E27FC236}">
+                <a16:creationId xmlns:a16="http://schemas.microsoft.com/office/drawing/2014/main" id="{D75CAAF4-2990-C13A-EF5B-DEE9ED7C01D9}"/>
               </a:ext>
             </a:extLst>
           </p:cNvPr>
@@ -7025,8 +7090,8 @@
         </p:nvSpPr>
         <p:spPr>
           <a:xfrm>
-            <a:off x="20458" y="545857"/>
-            <a:ext cx="3504796" cy="954107"/>
+            <a:off x="200733" y="5493235"/>
+            <a:ext cx="4223086" cy="954107"/>
           </a:xfrm>
           <a:prstGeom prst="rect">
             <a:avLst/>
@@ -7040,48 +7105,40 @@
           <a:lstStyle/>
           <a:p>
             <a:r>
+              <a:rPr lang="en-US" sz="1400" b="1">
+                <a:solidFill>
+                  <a:srgbClr val="FF0000"/>
+                </a:solidFill>
+              </a:rPr>
+              <a:t>Gorilla</a:t>
+            </a:r>
+            <a:r>
               <a:rPr lang="en-US" sz="1400"/>
-              <a:t>Look for:</a:t>
-            </a:r>
-          </a:p>
-          <a:p>
-            <a:pPr marL="285750" indent="-285750">
-              <a:buFont typeface="Arial" panose="020B0604020202020204" pitchFamily="34" charset="0"/>
-              <a:buChar char="•"/>
-            </a:pPr>
-            <a:r>
+              <a:t> 175 ft. Aluminum Zero Rust MObile Hose Reel</a:t>
+            </a:r>
+            <a:br>
               <a:rPr lang="en-US" sz="1400"/>
-              <a:t>solid brass fittings (connectors) - 3/4 inch</a:t>
-            </a:r>
-          </a:p>
-          <a:p>
-            <a:pPr marL="285750" indent="-285750">
-              <a:buFont typeface="Arial" panose="020B0604020202020204" pitchFamily="34" charset="0"/>
-              <a:buChar char="•"/>
-            </a:pPr>
+            </a:br>
             <a:r>
               <a:rPr lang="en-US" sz="1400"/>
-              <a:t>heavy duty hose 75 ft</a:t>
-            </a:r>
-          </a:p>
-          <a:p>
-            <a:pPr marL="285750" indent="-285750">
-              <a:buFont typeface="Arial" panose="020B0604020202020204" pitchFamily="34" charset="0"/>
-              <a:buChar char="•"/>
-            </a:pPr>
-            <a:r>
-              <a:rPr lang="en-US" sz="1400"/>
-              <a:t>Shutoff valve</a:t>
-            </a:r>
+              <a:t>.. </a:t>
+            </a:r>
+            <a:r>
+              <a:rPr lang="en-US" sz="1400">
+                <a:hlinkClick r:id="rId3"/>
+              </a:rPr>
+              <a:t>https://www.homedepot.com/p/Gorilla-175-ft-Aluminum-Zero-Rust-Mobile-Hose-Reel-GRS-175H/314448093</a:t>
+            </a:r>
+            <a:endParaRPr lang="en-US" sz="1400"/>
           </a:p>
         </p:txBody>
       </p:sp>
       <p:pic>
         <p:nvPicPr>
-          <p:cNvPr id="11" name="Picture 10">
-            <a:extLst>
-              <a:ext uri="{FF2B5EF4-FFF2-40B4-BE49-F238E27FC236}">
-                <a16:creationId xmlns:a16="http://schemas.microsoft.com/office/drawing/2014/main" id="{CD9D11C7-5C6D-2C9D-B383-7631B0C72E59}"/>
+          <p:cNvPr id="17" name="Picture 16">
+            <a:extLst>
+              <a:ext uri="{FF2B5EF4-FFF2-40B4-BE49-F238E27FC236}">
+                <a16:creationId xmlns:a16="http://schemas.microsoft.com/office/drawing/2014/main" id="{CD65CEED-3017-F3C1-95A2-734601C8BF52}"/>
               </a:ext>
             </a:extLst>
           </p:cNvPr>
@@ -7091,7 +7148,7 @@
           <p:nvPr/>
         </p:nvPicPr>
         <p:blipFill>
-          <a:blip r:embed="rId3" cstate="email">
+          <a:blip r:embed="rId4" cstate="email">
             <a:extLst>
               <a:ext uri="{28A0092B-C50C-407E-A947-70E740481C1C}">
                 <a14:useLocalDpi xmlns:a14="http://schemas.microsoft.com/office/drawing/2010/main"/>
@@ -7104,8 +7161,8 @@
         </p:blipFill>
         <p:spPr>
           <a:xfrm>
-            <a:off x="283779" y="2956502"/>
-            <a:ext cx="2071771" cy="2401534"/>
+            <a:off x="2920879" y="1673336"/>
+            <a:ext cx="4423817" cy="2099650"/>
           </a:xfrm>
           <a:prstGeom prst="rect">
             <a:avLst/>
@@ -7114,10 +7171,10 @@
       </p:pic>
       <p:sp>
         <p:nvSpPr>
-          <p:cNvPr id="12" name="TextBox 11">
-            <a:extLst>
-              <a:ext uri="{FF2B5EF4-FFF2-40B4-BE49-F238E27FC236}">
-                <a16:creationId xmlns:a16="http://schemas.microsoft.com/office/drawing/2014/main" id="{D75CAAF4-2990-C13A-EF5B-DEE9ED7C01D9}"/>
+          <p:cNvPr id="18" name="TextBox 17">
+            <a:extLst>
+              <a:ext uri="{FF2B5EF4-FFF2-40B4-BE49-F238E27FC236}">
+                <a16:creationId xmlns:a16="http://schemas.microsoft.com/office/drawing/2014/main" id="{C66D6084-D7B8-65F2-8A43-32E6F3732E0A}"/>
               </a:ext>
             </a:extLst>
           </p:cNvPr>
@@ -7126,8 +7183,8 @@
         </p:nvSpPr>
         <p:spPr>
           <a:xfrm>
-            <a:off x="200733" y="5493235"/>
-            <a:ext cx="4223086" cy="954107"/>
+            <a:off x="3164305" y="3946358"/>
+            <a:ext cx="3936966" cy="523220"/>
           </a:xfrm>
           <a:prstGeom prst="rect">
             <a:avLst/>
@@ -7146,11 +7203,11 @@
                   <a:srgbClr val="FF0000"/>
                 </a:solidFill>
               </a:rPr>
-              <a:t>Gorilla</a:t>
+              <a:t>SprayTec</a:t>
             </a:r>
             <a:r>
               <a:rPr lang="en-US" sz="1400"/>
-              <a:t> 175 ft. Aluminum Zero Rust MObile Hose Reel</a:t>
+              <a:t> Garden Hose Nozzle Sprayer</a:t>
             </a:r>
             <a:br>
               <a:rPr lang="en-US" sz="1400"/>
@@ -7161,77 +7218,20 @@
             </a:r>
             <a:r>
               <a:rPr lang="en-US" sz="1400">
-                <a:hlinkClick r:id="rId4"/>
-              </a:rPr>
-              <a:t>https://www.homedepot.com/p/Gorilla-175-ft-Aluminum-Zero-Rust-Mobile-Hose-Reel-GRS-175H/314448093</a:t>
-            </a:r>
-            <a:endParaRPr lang="en-US" sz="1400"/>
-          </a:p>
-        </p:txBody>
-      </p:sp>
-      <p:sp>
-        <p:nvSpPr>
-          <p:cNvPr id="13" name="TextBox 12">
-            <a:extLst>
-              <a:ext uri="{FF2B5EF4-FFF2-40B4-BE49-F238E27FC236}">
-                <a16:creationId xmlns:a16="http://schemas.microsoft.com/office/drawing/2014/main" id="{3FD3493E-E433-78E4-94F1-FA12B9467C48}"/>
-              </a:ext>
-            </a:extLst>
-          </p:cNvPr>
-          <p:cNvSpPr txBox="1"/>
-          <p:nvPr/>
-        </p:nvSpPr>
-        <p:spPr>
-          <a:xfrm>
-            <a:off x="8860285" y="5508623"/>
-            <a:ext cx="3152274" cy="461665"/>
-          </a:xfrm>
-          <a:prstGeom prst="rect">
-            <a:avLst/>
-          </a:prstGeom>
-          <a:noFill/>
-        </p:spPr>
-        <p:txBody>
-          <a:bodyPr wrap="square" rtlCol="0">
-            <a:spAutoFit/>
-          </a:bodyPr>
-          <a:lstStyle/>
-          <a:p>
-            <a:r>
-              <a:rPr lang="en-US" sz="1200" b="1">
-                <a:solidFill>
-                  <a:srgbClr val="FF0000"/>
-                </a:solidFill>
-              </a:rPr>
-              <a:t>J&amp;B XpandaHose</a:t>
-            </a:r>
-            <a:r>
-              <a:rPr lang="en-US" sz="1200"/>
-              <a:t> (expandable)</a:t>
-            </a:r>
-            <a:br>
-              <a:rPr lang="en-US" sz="1200"/>
-            </a:br>
-            <a:r>
-              <a:rPr lang="en-US" sz="1200"/>
-              <a:t>.. </a:t>
-            </a:r>
-            <a:r>
-              <a:rPr lang="en-US" sz="1200">
                 <a:hlinkClick r:id="rId5"/>
               </a:rPr>
-              <a:t>https://www.amazon.com/dp/B01MY4NI2D</a:t>
-            </a:r>
-            <a:endParaRPr lang="en-US" sz="1200"/>
+              <a:t>https://www.amazon.com/dp/B00YQ73WBW/</a:t>
+            </a:r>
+            <a:endParaRPr lang="en-US" sz="1400"/>
           </a:p>
         </p:txBody>
       </p:sp>
       <p:pic>
         <p:nvPicPr>
-          <p:cNvPr id="17" name="Picture 16">
-            <a:extLst>
-              <a:ext uri="{FF2B5EF4-FFF2-40B4-BE49-F238E27FC236}">
-                <a16:creationId xmlns:a16="http://schemas.microsoft.com/office/drawing/2014/main" id="{CD65CEED-3017-F3C1-95A2-734601C8BF52}"/>
+          <p:cNvPr id="2" name="Picture 1">
+            <a:extLst>
+              <a:ext uri="{FF2B5EF4-FFF2-40B4-BE49-F238E27FC236}">
+                <a16:creationId xmlns:a16="http://schemas.microsoft.com/office/drawing/2014/main" id="{8B927E81-CF54-8732-9D55-911E3D024372}"/>
               </a:ext>
             </a:extLst>
           </p:cNvPr>
@@ -7254,99 +7254,6 @@
         </p:blipFill>
         <p:spPr>
           <a:xfrm>
-            <a:off x="2920879" y="1673336"/>
-            <a:ext cx="4423817" cy="2099650"/>
-          </a:xfrm>
-          <a:prstGeom prst="rect">
-            <a:avLst/>
-          </a:prstGeom>
-        </p:spPr>
-      </p:pic>
-      <p:sp>
-        <p:nvSpPr>
-          <p:cNvPr id="18" name="TextBox 17">
-            <a:extLst>
-              <a:ext uri="{FF2B5EF4-FFF2-40B4-BE49-F238E27FC236}">
-                <a16:creationId xmlns:a16="http://schemas.microsoft.com/office/drawing/2014/main" id="{C66D6084-D7B8-65F2-8A43-32E6F3732E0A}"/>
-              </a:ext>
-            </a:extLst>
-          </p:cNvPr>
-          <p:cNvSpPr txBox="1"/>
-          <p:nvPr/>
-        </p:nvSpPr>
-        <p:spPr>
-          <a:xfrm>
-            <a:off x="3164305" y="3946358"/>
-            <a:ext cx="3936966" cy="523220"/>
-          </a:xfrm>
-          <a:prstGeom prst="rect">
-            <a:avLst/>
-          </a:prstGeom>
-          <a:noFill/>
-        </p:spPr>
-        <p:txBody>
-          <a:bodyPr wrap="square" rtlCol="0">
-            <a:spAutoFit/>
-          </a:bodyPr>
-          <a:lstStyle/>
-          <a:p>
-            <a:r>
-              <a:rPr lang="en-US" sz="1400" b="1">
-                <a:solidFill>
-                  <a:srgbClr val="FF0000"/>
-                </a:solidFill>
-              </a:rPr>
-              <a:t>SprayTec</a:t>
-            </a:r>
-            <a:r>
-              <a:rPr lang="en-US" sz="1400"/>
-              <a:t> Garden Hose Nozzle Sprayer</a:t>
-            </a:r>
-            <a:br>
-              <a:rPr lang="en-US" sz="1400"/>
-            </a:br>
-            <a:r>
-              <a:rPr lang="en-US" sz="1400"/>
-              <a:t>.. </a:t>
-            </a:r>
-            <a:r>
-              <a:rPr lang="en-US" sz="1400">
-                <a:hlinkClick r:id="rId7"/>
-              </a:rPr>
-              <a:t>https://www.amazon.com/dp/B00YQ73WBW/</a:t>
-            </a:r>
-            <a:endParaRPr lang="en-US" sz="1400"/>
-          </a:p>
-        </p:txBody>
-      </p:sp>
-      <p:pic>
-        <p:nvPicPr>
-          <p:cNvPr id="2" name="Picture 1">
-            <a:extLst>
-              <a:ext uri="{FF2B5EF4-FFF2-40B4-BE49-F238E27FC236}">
-                <a16:creationId xmlns:a16="http://schemas.microsoft.com/office/drawing/2014/main" id="{8B927E81-CF54-8732-9D55-911E3D024372}"/>
-              </a:ext>
-            </a:extLst>
-          </p:cNvPr>
-          <p:cNvPicPr>
-            <a:picLocks noChangeAspect="1"/>
-          </p:cNvPicPr>
-          <p:nvPr/>
-        </p:nvPicPr>
-        <p:blipFill>
-          <a:blip r:embed="rId8" cstate="email">
-            <a:extLst>
-              <a:ext uri="{28A0092B-C50C-407E-A947-70E740481C1C}">
-                <a14:useLocalDpi xmlns:a14="http://schemas.microsoft.com/office/drawing/2010/main"/>
-              </a:ext>
-            </a:extLst>
-          </a:blip>
-          <a:stretch>
-            <a:fillRect/>
-          </a:stretch>
-        </p:blipFill>
-        <p:spPr>
-          <a:xfrm>
             <a:off x="5872623" y="4974703"/>
             <a:ext cx="768744" cy="1037063"/>
           </a:xfrm>
@@ -7416,7 +7323,7 @@
           <p:nvPr/>
         </p:nvPicPr>
         <p:blipFill rotWithShape="1">
-          <a:blip r:embed="rId9" cstate="email">
+          <a:blip r:embed="rId7" cstate="email">
             <a:extLst>
               <a:ext uri="{28A0092B-C50C-407E-A947-70E740481C1C}">
                 <a14:useLocalDpi xmlns:a14="http://schemas.microsoft.com/office/drawing/2010/main"/>
@@ -7490,19 +7397,19 @@
             </a:pPr>
             <a:r>
               <a:rPr lang="en-US" sz="1000" dirty="0">
-                <a:hlinkClick r:id="rId10"/>
+                <a:hlinkClick r:id="rId8"/>
               </a:rPr>
               <a:t>https://</a:t>
             </a:r>
             <a:r>
               <a:rPr lang="en-US" sz="1000" dirty="0" err="1">
-                <a:hlinkClick r:id="rId10"/>
+                <a:hlinkClick r:id="rId8"/>
               </a:rPr>
               <a:t>www.eleyhosereels.com</a:t>
             </a:r>
             <a:r>
               <a:rPr lang="en-US" sz="1000" dirty="0">
-                <a:hlinkClick r:id="rId10"/>
+                <a:hlinkClick r:id="rId8"/>
               </a:rPr>
               <a:t>/products/garden-hose-quick-connectors</a:t>
             </a:r>
@@ -7515,44 +7422,209 @@
             </a:pPr>
             <a:r>
               <a:rPr lang="en-US" sz="1000" dirty="0">
+                <a:hlinkClick r:id="rId9"/>
+              </a:rPr>
+              <a:t>https://</a:t>
+            </a:r>
+            <a:r>
+              <a:rPr lang="en-US" sz="1000" dirty="0" err="1">
+                <a:hlinkClick r:id="rId9"/>
+              </a:rPr>
+              <a:t>www.youtube.com</a:t>
+            </a:r>
+            <a:r>
+              <a:rPr lang="en-US" sz="1000" dirty="0">
+                <a:hlinkClick r:id="rId9"/>
+              </a:rPr>
+              <a:t>/</a:t>
+            </a:r>
+            <a:r>
+              <a:rPr lang="en-US" sz="1000" dirty="0" err="1">
+                <a:hlinkClick r:id="rId9"/>
+              </a:rPr>
+              <a:t>watch?v</a:t>
+            </a:r>
+            <a:r>
+              <a:rPr lang="en-US" sz="1000" dirty="0">
+                <a:hlinkClick r:id="rId9"/>
+              </a:rPr>
+              <a:t>=</a:t>
+            </a:r>
+            <a:r>
+              <a:rPr lang="en-US" sz="1000" dirty="0" err="1">
+                <a:hlinkClick r:id="rId9"/>
+              </a:rPr>
+              <a:t>SH_NteAUTuw</a:t>
+            </a:r>
+            <a:endParaRPr lang="en-US" sz="1000" dirty="0"/>
+          </a:p>
+        </p:txBody>
+      </p:sp>
+      <p:sp>
+        <p:nvSpPr>
+          <p:cNvPr id="6" name="TextBox 5">
+            <a:extLst>
+              <a:ext uri="{FF2B5EF4-FFF2-40B4-BE49-F238E27FC236}">
+                <a16:creationId xmlns:a16="http://schemas.microsoft.com/office/drawing/2014/main" id="{73AD5948-A99F-B08D-D153-7D86928D117D}"/>
+              </a:ext>
+            </a:extLst>
+          </p:cNvPr>
+          <p:cNvSpPr txBox="1"/>
+          <p:nvPr/>
+        </p:nvSpPr>
+        <p:spPr>
+          <a:xfrm>
+            <a:off x="8466935" y="3593783"/>
+            <a:ext cx="3656835" cy="1015663"/>
+          </a:xfrm>
+          <a:prstGeom prst="rect">
+            <a:avLst/>
+          </a:prstGeom>
+          <a:noFill/>
+        </p:spPr>
+        <p:txBody>
+          <a:bodyPr wrap="square" rtlCol="0">
+            <a:spAutoFit/>
+          </a:bodyPr>
+          <a:lstStyle/>
+          <a:p>
+            <a:r>
+              <a:rPr lang="en-US" sz="1200" dirty="0"/>
+              <a:t>Typical hose – 75 ft, 5/8" inner diam, ¾ GHT fittings:</a:t>
+            </a:r>
+            <a:br>
+              <a:rPr lang="en-US" sz="1200" dirty="0"/>
+            </a:br>
+            <a:r>
+              <a:rPr lang="en-US" sz="1200" dirty="0">
+                <a:hlinkClick r:id="rId10"/>
+              </a:rPr>
+              <a:t>https://www.amazon.com/dp/B0CRNMCXFB </a:t>
+            </a:r>
+            <a:r>
+              <a:rPr lang="en-US" sz="1200" dirty="0"/>
+              <a:t>– rubber</a:t>
+            </a:r>
+          </a:p>
+          <a:p>
+            <a:endParaRPr lang="en-US" sz="1200" dirty="0"/>
+          </a:p>
+          <a:p>
+            <a:r>
+              <a:rPr lang="en-US" sz="1200" dirty="0"/>
+              <a:t>And here is aluminum with thin PVC tube inside:</a:t>
+            </a:r>
+          </a:p>
+          <a:p>
+            <a:r>
+              <a:rPr lang="en-US" sz="1200" dirty="0">
                 <a:hlinkClick r:id="rId11"/>
               </a:rPr>
               <a:t>https://</a:t>
             </a:r>
             <a:r>
-              <a:rPr lang="en-US" sz="1000" dirty="0" err="1">
+              <a:rPr lang="en-US" sz="1200" dirty="0" err="1">
                 <a:hlinkClick r:id="rId11"/>
               </a:rPr>
-              <a:t>www.youtube.com</a:t>
-            </a:r>
-            <a:r>
-              <a:rPr lang="en-US" sz="1000" dirty="0">
+              <a:t>www.amazon.com</a:t>
+            </a:r>
+            <a:r>
+              <a:rPr lang="en-US" sz="1200" dirty="0">
                 <a:hlinkClick r:id="rId11"/>
               </a:rPr>
               <a:t>/</a:t>
             </a:r>
             <a:r>
-              <a:rPr lang="en-US" sz="1000" dirty="0" err="1">
+              <a:rPr lang="en-US" sz="1200" dirty="0" err="1">
                 <a:hlinkClick r:id="rId11"/>
               </a:rPr>
-              <a:t>watch?v</a:t>
-            </a:r>
-            <a:r>
-              <a:rPr lang="en-US" sz="1000" dirty="0">
+              <a:t>dp</a:t>
+            </a:r>
+            <a:r>
+              <a:rPr lang="en-US" sz="1200" dirty="0">
                 <a:hlinkClick r:id="rId11"/>
               </a:rPr>
-              <a:t>=</a:t>
-            </a:r>
-            <a:r>
-              <a:rPr lang="en-US" sz="1000" dirty="0" err="1">
-                <a:hlinkClick r:id="rId11"/>
-              </a:rPr>
-              <a:t>SH_NteAUTuw</a:t>
-            </a:r>
-            <a:endParaRPr lang="en-US" sz="1000" dirty="0"/>
-          </a:p>
-        </p:txBody>
-      </p:sp>
+              <a:t>/B09NP7HTBK</a:t>
+            </a:r>
+            <a:r>
+              <a:rPr lang="en-US" sz="1200" dirty="0"/>
+              <a:t> - steel</a:t>
+            </a:r>
+          </a:p>
+        </p:txBody>
+      </p:sp>
+      <p:pic>
+        <p:nvPicPr>
+          <p:cNvPr id="7" name="Picture 6">
+            <a:extLst>
+              <a:ext uri="{FF2B5EF4-FFF2-40B4-BE49-F238E27FC236}">
+                <a16:creationId xmlns:a16="http://schemas.microsoft.com/office/drawing/2014/main" id="{D6F59D41-A946-37EF-9239-84B523C02D7C}"/>
+              </a:ext>
+            </a:extLst>
+          </p:cNvPr>
+          <p:cNvPicPr>
+            <a:picLocks noChangeAspect="1"/>
+          </p:cNvPicPr>
+          <p:nvPr/>
+        </p:nvPicPr>
+        <p:blipFill>
+          <a:blip r:embed="rId12" cstate="email">
+            <a:extLst>
+              <a:ext uri="{28A0092B-C50C-407E-A947-70E740481C1C}">
+                <a14:useLocalDpi xmlns:a14="http://schemas.microsoft.com/office/drawing/2010/main"/>
+              </a:ext>
+            </a:extLst>
+          </a:blip>
+          <a:stretch>
+            <a:fillRect/>
+          </a:stretch>
+        </p:blipFill>
+        <p:spPr>
+          <a:xfrm>
+            <a:off x="10748912" y="5052156"/>
+            <a:ext cx="992418" cy="1003004"/>
+          </a:xfrm>
+          <a:prstGeom prst="rect">
+            <a:avLst/>
+          </a:prstGeom>
+        </p:spPr>
+      </p:pic>
+      <p:pic>
+        <p:nvPicPr>
+          <p:cNvPr id="9" name="Picture 8">
+            <a:extLst>
+              <a:ext uri="{FF2B5EF4-FFF2-40B4-BE49-F238E27FC236}">
+                <a16:creationId xmlns:a16="http://schemas.microsoft.com/office/drawing/2014/main" id="{7A3BFDC8-75CF-0CCD-76FB-141B60A4A368}"/>
+              </a:ext>
+            </a:extLst>
+          </p:cNvPr>
+          <p:cNvPicPr>
+            <a:picLocks noChangeAspect="1"/>
+          </p:cNvPicPr>
+          <p:nvPr/>
+        </p:nvPicPr>
+        <p:blipFill>
+          <a:blip r:embed="rId13" cstate="email">
+            <a:extLst>
+              <a:ext uri="{28A0092B-C50C-407E-A947-70E740481C1C}">
+                <a14:useLocalDpi xmlns:a14="http://schemas.microsoft.com/office/drawing/2010/main"/>
+              </a:ext>
+            </a:extLst>
+          </a:blip>
+          <a:stretch>
+            <a:fillRect/>
+          </a:stretch>
+        </p:blipFill>
+        <p:spPr>
+          <a:xfrm>
+            <a:off x="8680643" y="4968065"/>
+            <a:ext cx="1555482" cy="1171186"/>
+          </a:xfrm>
+          <a:prstGeom prst="rect">
+            <a:avLst/>
+          </a:prstGeom>
+        </p:spPr>
+      </p:pic>
     </p:spTree>
     <p:extLst>
       <p:ext uri="{BB962C8B-B14F-4D97-AF65-F5344CB8AC3E}">
